--- a/Fredericia/presentation/presentation2.pptx
+++ b/Fredericia/presentation/presentation2.pptx
@@ -3434,7 +3434,7 @@
                 </a:uFill>
                 <a:latin typeface="Arial"/>
               </a:rPr>
-              <a:t>14-03-2018</a:t>
+              <a:t>15-03-2018</a:t>
             </a:fld>
             <a:endParaRPr lang="da-DK" sz="750" b="0" strike="noStrike" spc="-1">
               <a:solidFill>
@@ -4112,7 +4112,7 @@
                 </a:uFill>
                 <a:latin typeface="Arial"/>
               </a:rPr>
-              <a:t>14-03-2018</a:t>
+              <a:t>15-03-2018</a:t>
             </a:fld>
             <a:endParaRPr lang="da-DK" sz="750" b="0" strike="noStrike" spc="-1">
               <a:solidFill>
@@ -5336,43 +5336,6 @@
       </p:grpSpPr>
       <p:sp>
         <p:nvSpPr>
-          <p:cNvPr id="2" name="Title 1">
-            <a:extLst>
-              <a:ext uri="{FF2B5EF4-FFF2-40B4-BE49-F238E27FC236}">
-                <a16:creationId xmlns:a16="http://schemas.microsoft.com/office/drawing/2014/main" id="{7274B48B-373C-4332-9B0F-66D00321AC95}"/>
-              </a:ext>
-            </a:extLst>
-          </p:cNvPr>
-          <p:cNvSpPr>
-            <a:spLocks noGrp="1"/>
-          </p:cNvSpPr>
-          <p:nvPr>
-            <p:ph type="title"/>
-          </p:nvPr>
-        </p:nvSpPr>
-        <p:spPr/>
-        <p:txBody>
-          <a:bodyPr/>
-          <a:lstStyle/>
-          <a:p>
-            <a:r>
-              <a:rPr lang="da-DK" dirty="0"/>
-              <a:t> </a:t>
-            </a:r>
-            <a:r>
-              <a:rPr lang="da-DK" sz="2000" dirty="0">
-                <a:solidFill>
-                  <a:schemeClr val="bg1"/>
-                </a:solidFill>
-              </a:rPr>
-              <a:t>Problemstillinger</a:t>
-            </a:r>
-            <a:endParaRPr lang="en-US" sz="2000" dirty="0"/>
-          </a:p>
-        </p:txBody>
-      </p:sp>
-      <p:sp>
-        <p:nvSpPr>
           <p:cNvPr id="3" name="Subtitle 2">
             <a:extLst>
               <a:ext uri="{FF2B5EF4-FFF2-40B4-BE49-F238E27FC236}">
@@ -5458,6 +5421,43 @@
               <a:rPr lang="da-DK" dirty="0"/>
               <a:t>Ukendt</a:t>
             </a:r>
+          </a:p>
+        </p:txBody>
+      </p:sp>
+      <p:sp>
+        <p:nvSpPr>
+          <p:cNvPr id="2" name="Title 1">
+            <a:extLst>
+              <a:ext uri="{FF2B5EF4-FFF2-40B4-BE49-F238E27FC236}">
+                <a16:creationId xmlns:a16="http://schemas.microsoft.com/office/drawing/2014/main" id="{7274B48B-373C-4332-9B0F-66D00321AC95}"/>
+              </a:ext>
+            </a:extLst>
+          </p:cNvPr>
+          <p:cNvSpPr>
+            <a:spLocks noGrp="1"/>
+          </p:cNvSpPr>
+          <p:nvPr>
+            <p:ph type="title"/>
+          </p:nvPr>
+        </p:nvSpPr>
+        <p:spPr/>
+        <p:txBody>
+          <a:bodyPr/>
+          <a:lstStyle/>
+          <a:p>
+            <a:r>
+              <a:rPr lang="da-DK" dirty="0"/>
+              <a:t> </a:t>
+            </a:r>
+            <a:r>
+              <a:rPr lang="da-DK" sz="2000" dirty="0">
+                <a:solidFill>
+                  <a:schemeClr val="bg1"/>
+                </a:solidFill>
+              </a:rPr>
+              <a:t>Problemstillinger</a:t>
+            </a:r>
+            <a:endParaRPr lang="en-US" sz="2000" dirty="0"/>
           </a:p>
         </p:txBody>
       </p:sp>
@@ -5911,8 +5911,44 @@
         </p:blipFill>
         <p:spPr>
           <a:xfrm>
-            <a:off x="765224" y="1600200"/>
-            <a:ext cx="7613552" cy="4177662"/>
+            <a:off x="765223" y="1600200"/>
+            <a:ext cx="4767829" cy="2616174"/>
+          </a:xfrm>
+          <a:prstGeom prst="rect">
+            <a:avLst/>
+          </a:prstGeom>
+        </p:spPr>
+      </p:pic>
+      <p:pic>
+        <p:nvPicPr>
+          <p:cNvPr id="6" name="Picture 5">
+            <a:extLst>
+              <a:ext uri="{FF2B5EF4-FFF2-40B4-BE49-F238E27FC236}">
+                <a16:creationId xmlns:a16="http://schemas.microsoft.com/office/drawing/2014/main" id="{369F1B4B-2381-4882-BA46-057C173CCEA4}"/>
+              </a:ext>
+            </a:extLst>
+          </p:cNvPr>
+          <p:cNvPicPr>
+            <a:picLocks noChangeAspect="1"/>
+          </p:cNvPicPr>
+          <p:nvPr/>
+        </p:nvPicPr>
+        <p:blipFill>
+          <a:blip r:embed="rId3">
+            <a:extLst>
+              <a:ext uri="{28A0092B-C50C-407E-A947-70E740481C1C}">
+                <a14:useLocalDpi xmlns:a14="http://schemas.microsoft.com/office/drawing/2010/main" val="0"/>
+              </a:ext>
+            </a:extLst>
+          </a:blip>
+          <a:stretch>
+            <a:fillRect/>
+          </a:stretch>
+        </p:blipFill>
+        <p:spPr>
+          <a:xfrm>
+            <a:off x="5533052" y="4216374"/>
+            <a:ext cx="2967135" cy="1674615"/>
           </a:xfrm>
           <a:prstGeom prst="rect">
             <a:avLst/>
@@ -5951,6 +5987,68 @@
       </p:grpSpPr>
       <p:sp>
         <p:nvSpPr>
+          <p:cNvPr id="3" name="Subtitle 2">
+            <a:extLst>
+              <a:ext uri="{FF2B5EF4-FFF2-40B4-BE49-F238E27FC236}">
+                <a16:creationId xmlns:a16="http://schemas.microsoft.com/office/drawing/2014/main" id="{4248E21A-F719-49C1-AD8D-36A53113C344}"/>
+              </a:ext>
+            </a:extLst>
+          </p:cNvPr>
+          <p:cNvSpPr>
+            <a:spLocks noGrp="1"/>
+          </p:cNvSpPr>
+          <p:nvPr>
+            <p:ph type="body"/>
+          </p:nvPr>
+        </p:nvSpPr>
+        <p:spPr/>
+        <p:txBody>
+          <a:bodyPr>
+            <a:normAutofit/>
+          </a:bodyPr>
+          <a:lstStyle/>
+          <a:p>
+            <a:pPr fontAlgn="ctr"/>
+            <a:r>
+              <a:rPr lang="da-DK" dirty="0"/>
+              <a:t>Projekt/præsentation</a:t>
+            </a:r>
+          </a:p>
+          <a:p>
+            <a:pPr lvl="1" fontAlgn="ctr"/>
+            <a:r>
+              <a:rPr lang="da-DK" dirty="0"/>
+              <a:t>Giver valg af hovedledning mening (præsentation)?</a:t>
+            </a:r>
+          </a:p>
+          <a:p>
+            <a:pPr lvl="1" fontAlgn="ctr"/>
+            <a:r>
+              <a:rPr lang="da-DK" dirty="0"/>
+              <a:t>Kan hovedledning simplificeres som vist?</a:t>
+            </a:r>
+          </a:p>
+          <a:p>
+            <a:pPr lvl="1" fontAlgn="ctr"/>
+            <a:r>
+              <a:rPr lang="da-DK" dirty="0"/>
+              <a:t>Er projektet relevant i forhold til Fredericia?</a:t>
+            </a:r>
+          </a:p>
+          <a:p>
+            <a:pPr lvl="2" fontAlgn="ctr"/>
+            <a:r>
+              <a:rPr lang="da-DK" dirty="0"/>
+              <a:t>Flowstyring af input til rensningsanlæg og ikke regulering af kemiske forbindelser i ledningsnettet.</a:t>
+            </a:r>
+          </a:p>
+          <a:p>
+            <a:endParaRPr lang="en-US" dirty="0"/>
+          </a:p>
+        </p:txBody>
+      </p:sp>
+      <p:sp>
+        <p:nvSpPr>
           <p:cNvPr id="2" name="Title 1">
             <a:extLst>
               <a:ext uri="{FF2B5EF4-FFF2-40B4-BE49-F238E27FC236}">
@@ -5985,68 +6083,6 @@
                 <a:schemeClr val="bg1"/>
               </a:solidFill>
             </a:endParaRPr>
-          </a:p>
-        </p:txBody>
-      </p:sp>
-      <p:sp>
-        <p:nvSpPr>
-          <p:cNvPr id="3" name="Subtitle 2">
-            <a:extLst>
-              <a:ext uri="{FF2B5EF4-FFF2-40B4-BE49-F238E27FC236}">
-                <a16:creationId xmlns:a16="http://schemas.microsoft.com/office/drawing/2014/main" id="{4248E21A-F719-49C1-AD8D-36A53113C344}"/>
-              </a:ext>
-            </a:extLst>
-          </p:cNvPr>
-          <p:cNvSpPr>
-            <a:spLocks noGrp="1"/>
-          </p:cNvSpPr>
-          <p:nvPr>
-            <p:ph type="body"/>
-          </p:nvPr>
-        </p:nvSpPr>
-        <p:spPr/>
-        <p:txBody>
-          <a:bodyPr>
-            <a:normAutofit/>
-          </a:bodyPr>
-          <a:lstStyle/>
-          <a:p>
-            <a:pPr fontAlgn="ctr"/>
-            <a:r>
-              <a:rPr lang="da-DK" dirty="0"/>
-              <a:t>Projekt/præsentation</a:t>
-            </a:r>
-          </a:p>
-          <a:p>
-            <a:pPr lvl="1" fontAlgn="ctr"/>
-            <a:r>
-              <a:rPr lang="da-DK" dirty="0"/>
-              <a:t>Giver valg af hovedledning mening (præsentation)?</a:t>
-            </a:r>
-          </a:p>
-          <a:p>
-            <a:pPr lvl="1" fontAlgn="ctr"/>
-            <a:r>
-              <a:rPr lang="da-DK" dirty="0"/>
-              <a:t>Kan hovedledning simplificeres som vist?</a:t>
-            </a:r>
-          </a:p>
-          <a:p>
-            <a:pPr lvl="1" fontAlgn="ctr"/>
-            <a:r>
-              <a:rPr lang="da-DK" dirty="0"/>
-              <a:t>Er projektet relevant i forhold til Fredericia?</a:t>
-            </a:r>
-          </a:p>
-          <a:p>
-            <a:pPr lvl="2" fontAlgn="ctr"/>
-            <a:r>
-              <a:rPr lang="da-DK" dirty="0"/>
-              <a:t>Flowstyring af input til rensningsanlæg og ikke regulering af kemiske forbindelser i ledningsnettet.</a:t>
-            </a:r>
-          </a:p>
-          <a:p>
-            <a:endParaRPr lang="en-US" dirty="0"/>
           </a:p>
         </p:txBody>
       </p:sp>
@@ -6082,6 +6118,82 @@
       </p:grpSpPr>
       <p:sp>
         <p:nvSpPr>
+          <p:cNvPr id="3" name="Subtitle 2">
+            <a:extLst>
+              <a:ext uri="{FF2B5EF4-FFF2-40B4-BE49-F238E27FC236}">
+                <a16:creationId xmlns:a16="http://schemas.microsoft.com/office/drawing/2014/main" id="{509BA6FE-4B8C-4275-8961-6B5511996348}"/>
+              </a:ext>
+            </a:extLst>
+          </p:cNvPr>
+          <p:cNvSpPr>
+            <a:spLocks noGrp="1"/>
+          </p:cNvSpPr>
+          <p:nvPr>
+            <p:ph type="body"/>
+          </p:nvPr>
+        </p:nvSpPr>
+        <p:spPr/>
+        <p:txBody>
+          <a:bodyPr>
+            <a:normAutofit/>
+          </a:bodyPr>
+          <a:lstStyle/>
+          <a:p>
+            <a:pPr fontAlgn="ctr"/>
+            <a:r>
+              <a:rPr lang="da-DK" dirty="0"/>
+              <a:t>Rensningsanlæg</a:t>
+            </a:r>
+          </a:p>
+          <a:p>
+            <a:pPr lvl="1" fontAlgn="ctr"/>
+            <a:r>
+              <a:rPr lang="da-DK" dirty="0"/>
+              <a:t>Hvilke processer benyttes til rensning?</a:t>
+            </a:r>
+          </a:p>
+          <a:p>
+            <a:pPr lvl="1" fontAlgn="ctr"/>
+            <a:r>
+              <a:rPr lang="da-DK" dirty="0"/>
+              <a:t>Hvilke stoffer giver problemer under rensning?</a:t>
+            </a:r>
+          </a:p>
+          <a:p>
+            <a:pPr lvl="1" fontAlgn="ctr"/>
+            <a:r>
+              <a:rPr lang="da-DK" dirty="0"/>
+              <a:t>Hvordan påvirker flow/koncentrat ændringer i rensningen?</a:t>
+            </a:r>
+          </a:p>
+          <a:p>
+            <a:pPr lvl="2" fontAlgn="ctr"/>
+            <a:r>
+              <a:rPr lang="da-DK" dirty="0"/>
+              <a:t>F.eks. Pludselig udledning fra industri</a:t>
+            </a:r>
+          </a:p>
+          <a:p>
+            <a:pPr lvl="1" fontAlgn="ctr"/>
+            <a:r>
+              <a:rPr lang="da-DK" dirty="0"/>
+              <a:t>Kapacitet i rensnings anlægget(flow/koncentration)?</a:t>
+            </a:r>
+          </a:p>
+          <a:p>
+            <a:pPr lvl="1" fontAlgn="ctr"/>
+            <a:r>
+              <a:rPr lang="da-DK" dirty="0"/>
+              <a:t>Ideelt flow (mængde/koncentration)?</a:t>
+            </a:r>
+          </a:p>
+          <a:p>
+            <a:endParaRPr lang="en-US" dirty="0"/>
+          </a:p>
+        </p:txBody>
+      </p:sp>
+      <p:sp>
+        <p:nvSpPr>
           <p:cNvPr id="2" name="Title 1">
             <a:extLst>
               <a:ext uri="{FF2B5EF4-FFF2-40B4-BE49-F238E27FC236}">
@@ -6112,82 +6224,6 @@
               <a:t>    Sprørgsmål</a:t>
             </a:r>
             <a:endParaRPr lang="en-US" sz="2000" dirty="0"/>
-          </a:p>
-        </p:txBody>
-      </p:sp>
-      <p:sp>
-        <p:nvSpPr>
-          <p:cNvPr id="3" name="Subtitle 2">
-            <a:extLst>
-              <a:ext uri="{FF2B5EF4-FFF2-40B4-BE49-F238E27FC236}">
-                <a16:creationId xmlns:a16="http://schemas.microsoft.com/office/drawing/2014/main" id="{509BA6FE-4B8C-4275-8961-6B5511996348}"/>
-              </a:ext>
-            </a:extLst>
-          </p:cNvPr>
-          <p:cNvSpPr>
-            <a:spLocks noGrp="1"/>
-          </p:cNvSpPr>
-          <p:nvPr>
-            <p:ph type="body"/>
-          </p:nvPr>
-        </p:nvSpPr>
-        <p:spPr/>
-        <p:txBody>
-          <a:bodyPr>
-            <a:normAutofit/>
-          </a:bodyPr>
-          <a:lstStyle/>
-          <a:p>
-            <a:pPr fontAlgn="ctr"/>
-            <a:r>
-              <a:rPr lang="da-DK" dirty="0"/>
-              <a:t>Rensningsanlæg</a:t>
-            </a:r>
-          </a:p>
-          <a:p>
-            <a:pPr lvl="1" fontAlgn="ctr"/>
-            <a:r>
-              <a:rPr lang="da-DK" dirty="0"/>
-              <a:t>Hvilke processer benyttes til rensning?</a:t>
-            </a:r>
-          </a:p>
-          <a:p>
-            <a:pPr lvl="1" fontAlgn="ctr"/>
-            <a:r>
-              <a:rPr lang="da-DK" dirty="0"/>
-              <a:t>Hvilke stoffer giver problemer under rensning?</a:t>
-            </a:r>
-          </a:p>
-          <a:p>
-            <a:pPr lvl="1" fontAlgn="ctr"/>
-            <a:r>
-              <a:rPr lang="da-DK" dirty="0"/>
-              <a:t>Hvordan påvirker flow/koncentrat ændringer i rensningen?</a:t>
-            </a:r>
-          </a:p>
-          <a:p>
-            <a:pPr lvl="2" fontAlgn="ctr"/>
-            <a:r>
-              <a:rPr lang="da-DK" dirty="0"/>
-              <a:t>F.eks. Pludselig udledning fra industri</a:t>
-            </a:r>
-          </a:p>
-          <a:p>
-            <a:pPr lvl="1" fontAlgn="ctr"/>
-            <a:r>
-              <a:rPr lang="da-DK" dirty="0"/>
-              <a:t>Kapacitet i rensnings anlægget(flow/koncentration)?</a:t>
-            </a:r>
-          </a:p>
-          <a:p>
-            <a:pPr lvl="1" fontAlgn="ctr"/>
-            <a:r>
-              <a:rPr lang="da-DK" dirty="0"/>
-              <a:t>Ideelt flow (mængde/koncentration)?</a:t>
-            </a:r>
-          </a:p>
-          <a:p>
-            <a:endParaRPr lang="en-US" dirty="0"/>
           </a:p>
         </p:txBody>
       </p:sp>
@@ -6223,6 +6259,75 @@
       </p:grpSpPr>
       <p:sp>
         <p:nvSpPr>
+          <p:cNvPr id="3" name="Subtitle 2">
+            <a:extLst>
+              <a:ext uri="{FF2B5EF4-FFF2-40B4-BE49-F238E27FC236}">
+                <a16:creationId xmlns:a16="http://schemas.microsoft.com/office/drawing/2014/main" id="{39D5BF07-8717-4218-AC8F-9254022031A4}"/>
+              </a:ext>
+            </a:extLst>
+          </p:cNvPr>
+          <p:cNvSpPr>
+            <a:spLocks noGrp="1"/>
+          </p:cNvSpPr>
+          <p:nvPr>
+            <p:ph type="body"/>
+          </p:nvPr>
+        </p:nvSpPr>
+        <p:spPr/>
+        <p:txBody>
+          <a:bodyPr>
+            <a:normAutofit/>
+          </a:bodyPr>
+          <a:lstStyle/>
+          <a:p>
+            <a:pPr fontAlgn="ctr"/>
+            <a:r>
+              <a:rPr lang="da-DK" dirty="0"/>
+              <a:t>Kloaknet</a:t>
+            </a:r>
+          </a:p>
+          <a:p>
+            <a:pPr lvl="1" fontAlgn="ctr"/>
+            <a:r>
+              <a:rPr lang="da-DK" dirty="0"/>
+              <a:t>Flow målinger i nettet?</a:t>
+            </a:r>
+          </a:p>
+          <a:p>
+            <a:pPr lvl="1" fontAlgn="ctr"/>
+            <a:r>
+              <a:rPr lang="da-DK" dirty="0"/>
+              <a:t>Koncentrations målinger i nettet?</a:t>
+            </a:r>
+          </a:p>
+          <a:p>
+            <a:pPr lvl="1" fontAlgn="ctr"/>
+            <a:r>
+              <a:rPr lang="da-DK" dirty="0"/>
+              <a:t>Findes der nogle bassiner i nettet lige nu i valgte hovedledning?</a:t>
+            </a:r>
+          </a:p>
+          <a:p>
+            <a:pPr lvl="1" fontAlgn="ctr"/>
+            <a:r>
+              <a:rPr lang="da-DK" dirty="0"/>
+              <a:t>Grundvands indtrængning (mængder?)</a:t>
+            </a:r>
+          </a:p>
+          <a:p>
+            <a:pPr lvl="1" fontAlgn="ctr"/>
+            <a:r>
+              <a:rPr lang="da-DK" dirty="0"/>
+              <a:t>Er det en pumpe station, på hjørnet af Holstensvej og Strandvejen? </a:t>
+            </a:r>
+          </a:p>
+          <a:p>
+            <a:endParaRPr lang="en-US" dirty="0"/>
+          </a:p>
+        </p:txBody>
+      </p:sp>
+      <p:sp>
+        <p:nvSpPr>
           <p:cNvPr id="2" name="Title 1">
             <a:extLst>
               <a:ext uri="{FF2B5EF4-FFF2-40B4-BE49-F238E27FC236}">
@@ -6253,75 +6358,6 @@
               <a:t>    Sprørgsmål</a:t>
             </a:r>
             <a:endParaRPr lang="en-US" sz="2000" dirty="0"/>
-          </a:p>
-        </p:txBody>
-      </p:sp>
-      <p:sp>
-        <p:nvSpPr>
-          <p:cNvPr id="3" name="Subtitle 2">
-            <a:extLst>
-              <a:ext uri="{FF2B5EF4-FFF2-40B4-BE49-F238E27FC236}">
-                <a16:creationId xmlns:a16="http://schemas.microsoft.com/office/drawing/2014/main" id="{39D5BF07-8717-4218-AC8F-9254022031A4}"/>
-              </a:ext>
-            </a:extLst>
-          </p:cNvPr>
-          <p:cNvSpPr>
-            <a:spLocks noGrp="1"/>
-          </p:cNvSpPr>
-          <p:nvPr>
-            <p:ph type="body"/>
-          </p:nvPr>
-        </p:nvSpPr>
-        <p:spPr/>
-        <p:txBody>
-          <a:bodyPr>
-            <a:normAutofit/>
-          </a:bodyPr>
-          <a:lstStyle/>
-          <a:p>
-            <a:pPr fontAlgn="ctr"/>
-            <a:r>
-              <a:rPr lang="da-DK" dirty="0"/>
-              <a:t>Kloaknet</a:t>
-            </a:r>
-          </a:p>
-          <a:p>
-            <a:pPr lvl="1" fontAlgn="ctr"/>
-            <a:r>
-              <a:rPr lang="da-DK" dirty="0"/>
-              <a:t>Flow målinger i nettet?</a:t>
-            </a:r>
-          </a:p>
-          <a:p>
-            <a:pPr lvl="1" fontAlgn="ctr"/>
-            <a:r>
-              <a:rPr lang="da-DK" dirty="0"/>
-              <a:t>Koncentrations målinger i nettet?</a:t>
-            </a:r>
-          </a:p>
-          <a:p>
-            <a:pPr lvl="1" fontAlgn="ctr"/>
-            <a:r>
-              <a:rPr lang="da-DK" dirty="0"/>
-              <a:t>Findes der nogle bassiner i nettet lige nu i valgte hovedledning?</a:t>
-            </a:r>
-          </a:p>
-          <a:p>
-            <a:pPr lvl="1" fontAlgn="ctr"/>
-            <a:r>
-              <a:rPr lang="da-DK" dirty="0"/>
-              <a:t>Grundvands indtrængning (mængder?)</a:t>
-            </a:r>
-          </a:p>
-          <a:p>
-            <a:pPr lvl="1" fontAlgn="ctr"/>
-            <a:r>
-              <a:rPr lang="da-DK" dirty="0"/>
-              <a:t>Er det en pumpe station, på hjørnet af Holstensvej og Strandvejen? </a:t>
-            </a:r>
-          </a:p>
-          <a:p>
-            <a:endParaRPr lang="en-US" dirty="0"/>
           </a:p>
         </p:txBody>
       </p:sp>

--- a/Fredericia/presentation/presentation2.pptx
+++ b/Fredericia/presentation/presentation2.pptx
@@ -5353,7 +5353,7 @@
         <p:spPr/>
         <p:txBody>
           <a:bodyPr>
-            <a:normAutofit/>
+            <a:normAutofit fontScale="55000" lnSpcReduction="20000"/>
           </a:bodyPr>
           <a:lstStyle/>
           <a:p>
@@ -6004,7 +6004,7 @@
         <p:spPr/>
         <p:txBody>
           <a:bodyPr>
-            <a:normAutofit/>
+            <a:normAutofit fontScale="85000" lnSpcReduction="20000"/>
           </a:bodyPr>
           <a:lstStyle/>
           <a:p>
@@ -6188,6 +6188,19 @@
             </a:r>
           </a:p>
           <a:p>
+            <a:pPr lvl="1" fontAlgn="ctr"/>
+            <a:r>
+              <a:rPr lang="da-DK" dirty="0"/>
+              <a:t>Priotering i forhold til flow ind i rensningsanlæg(mængde/koncentration)?</a:t>
+            </a:r>
+          </a:p>
+          <a:p>
+            <a:pPr marL="457200" lvl="1" indent="0" fontAlgn="ctr">
+              <a:buNone/>
+            </a:pPr>
+            <a:endParaRPr lang="da-DK" dirty="0"/>
+          </a:p>
+          <a:p>
             <a:endParaRPr lang="en-US" dirty="0"/>
           </a:p>
         </p:txBody>
@@ -6276,7 +6289,7 @@
         <p:spPr/>
         <p:txBody>
           <a:bodyPr>
-            <a:normAutofit/>
+            <a:normAutofit fontScale="70000" lnSpcReduction="20000"/>
           </a:bodyPr>
           <a:lstStyle/>
           <a:p>

--- a/Fredericia/presentation/presentation2.pptx
+++ b/Fredericia/presentation/presentation2.pptx
@@ -8,13 +8,14 @@
   <p:sldIdLst>
     <p:sldId id="256" r:id="rId3"/>
     <p:sldId id="257" r:id="rId4"/>
-    <p:sldId id="258" r:id="rId5"/>
-    <p:sldId id="259" r:id="rId6"/>
-    <p:sldId id="260" r:id="rId7"/>
-    <p:sldId id="261" r:id="rId8"/>
-    <p:sldId id="262" r:id="rId9"/>
-    <p:sldId id="263" r:id="rId10"/>
-    <p:sldId id="264" r:id="rId11"/>
+    <p:sldId id="265" r:id="rId5"/>
+    <p:sldId id="258" r:id="rId6"/>
+    <p:sldId id="259" r:id="rId7"/>
+    <p:sldId id="260" r:id="rId8"/>
+    <p:sldId id="261" r:id="rId9"/>
+    <p:sldId id="262" r:id="rId10"/>
+    <p:sldId id="263" r:id="rId11"/>
+    <p:sldId id="264" r:id="rId12"/>
   </p:sldIdLst>
   <p:sldSz cx="9144000" cy="6858000" type="screen4x3"/>
   <p:notesSz cx="7559675" cy="10691813"/>
@@ -4867,6 +4868,140 @@
 </p:sld>
 </file>
 
+<file path=ppt/slides/slide10.xml><?xml version="1.0" encoding="utf-8"?>
+<p:sld xmlns:a="http://schemas.openxmlformats.org/drawingml/2006/main" xmlns:r="http://schemas.openxmlformats.org/officeDocument/2006/relationships" xmlns:p="http://schemas.openxmlformats.org/presentationml/2006/main">
+  <p:cSld>
+    <p:spTree>
+      <p:nvGrpSpPr>
+        <p:cNvPr id="1" name=""/>
+        <p:cNvGrpSpPr/>
+        <p:nvPr/>
+      </p:nvGrpSpPr>
+      <p:grpSpPr>
+        <a:xfrm>
+          <a:off x="0" y="0"/>
+          <a:ext cx="0" cy="0"/>
+          <a:chOff x="0" y="0"/>
+          <a:chExt cx="0" cy="0"/>
+        </a:xfrm>
+      </p:grpSpPr>
+      <p:sp>
+        <p:nvSpPr>
+          <p:cNvPr id="3" name="Subtitle 2">
+            <a:extLst>
+              <a:ext uri="{FF2B5EF4-FFF2-40B4-BE49-F238E27FC236}">
+                <a16:creationId xmlns:a16="http://schemas.microsoft.com/office/drawing/2014/main" xmlns="" id="{39D5BF07-8717-4218-AC8F-9254022031A4}"/>
+              </a:ext>
+            </a:extLst>
+          </p:cNvPr>
+          <p:cNvSpPr>
+            <a:spLocks noGrp="1"/>
+          </p:cNvSpPr>
+          <p:nvPr>
+            <p:ph type="body"/>
+          </p:nvPr>
+        </p:nvSpPr>
+        <p:spPr/>
+        <p:txBody>
+          <a:bodyPr>
+            <a:normAutofit fontScale="70000" lnSpcReduction="20000"/>
+          </a:bodyPr>
+          <a:lstStyle/>
+          <a:p>
+            <a:pPr fontAlgn="ctr"/>
+            <a:r>
+              <a:rPr lang="da-DK" dirty="0"/>
+              <a:t>Kloaknet</a:t>
+            </a:r>
+          </a:p>
+          <a:p>
+            <a:pPr lvl="1" fontAlgn="ctr"/>
+            <a:r>
+              <a:rPr lang="da-DK" dirty="0"/>
+              <a:t>Flow målinger i nettet?</a:t>
+            </a:r>
+          </a:p>
+          <a:p>
+            <a:pPr lvl="1" fontAlgn="ctr"/>
+            <a:r>
+              <a:rPr lang="da-DK" dirty="0"/>
+              <a:t>Koncentrations målinger i nettet?</a:t>
+            </a:r>
+          </a:p>
+          <a:p>
+            <a:pPr lvl="1" fontAlgn="ctr"/>
+            <a:r>
+              <a:rPr lang="da-DK" dirty="0"/>
+              <a:t>Findes der nogle bassiner i nettet lige nu i valgte hovedledning?</a:t>
+            </a:r>
+          </a:p>
+          <a:p>
+            <a:pPr lvl="1" fontAlgn="ctr"/>
+            <a:r>
+              <a:rPr lang="da-DK" dirty="0"/>
+              <a:t>Grundvands indtrængning (mængder?)</a:t>
+            </a:r>
+          </a:p>
+          <a:p>
+            <a:pPr lvl="1" fontAlgn="ctr"/>
+            <a:r>
+              <a:rPr lang="da-DK" dirty="0"/>
+              <a:t>Er det en pumpe station, på hjørnet af Holstensvej og Strandvejen? </a:t>
+            </a:r>
+          </a:p>
+          <a:p>
+            <a:endParaRPr lang="en-US" dirty="0"/>
+          </a:p>
+        </p:txBody>
+      </p:sp>
+      <p:sp>
+        <p:nvSpPr>
+          <p:cNvPr id="2" name="Title 1">
+            <a:extLst>
+              <a:ext uri="{FF2B5EF4-FFF2-40B4-BE49-F238E27FC236}">
+                <a16:creationId xmlns:a16="http://schemas.microsoft.com/office/drawing/2014/main" xmlns="" id="{E19A9079-10BE-4933-98D6-27D94B9B01A6}"/>
+              </a:ext>
+            </a:extLst>
+          </p:cNvPr>
+          <p:cNvSpPr>
+            <a:spLocks noGrp="1"/>
+          </p:cNvSpPr>
+          <p:nvPr>
+            <p:ph type="title"/>
+          </p:nvPr>
+        </p:nvSpPr>
+        <p:spPr/>
+        <p:txBody>
+          <a:bodyPr>
+            <a:normAutofit/>
+          </a:bodyPr>
+          <a:lstStyle/>
+          <a:p>
+            <a:r>
+              <a:rPr lang="da-DK" sz="2000" dirty="0">
+                <a:solidFill>
+                  <a:schemeClr val="bg1"/>
+                </a:solidFill>
+              </a:rPr>
+              <a:t>    Sprørgsmål</a:t>
+            </a:r>
+            <a:endParaRPr lang="en-US" sz="2000" dirty="0"/>
+          </a:p>
+        </p:txBody>
+      </p:sp>
+    </p:spTree>
+    <p:extLst>
+      <p:ext uri="{BB962C8B-B14F-4D97-AF65-F5344CB8AC3E}">
+        <p14:creationId xmlns:p14="http://schemas.microsoft.com/office/powerpoint/2010/main" val="2822511618"/>
+      </p:ext>
+    </p:extLst>
+  </p:cSld>
+  <p:clrMapOvr>
+    <a:masterClrMapping/>
+  </p:clrMapOvr>
+</p:sld>
+</file>
+
 <file path=ppt/slides/slide2.xml><?xml version="1.0" encoding="utf-8"?>
 <p:sld xmlns:a="http://schemas.openxmlformats.org/drawingml/2006/main" xmlns:r="http://schemas.openxmlformats.org/officeDocument/2006/relationships" xmlns:p="http://schemas.openxmlformats.org/presentationml/2006/main">
   <p:cSld>
@@ -5336,207 +5471,96 @@
       </p:grpSpPr>
       <p:sp>
         <p:nvSpPr>
-          <p:cNvPr id="3" name="Subtitle 2">
-            <a:extLst>
-              <a:ext uri="{FF2B5EF4-FFF2-40B4-BE49-F238E27FC236}">
-                <a16:creationId xmlns:a16="http://schemas.microsoft.com/office/drawing/2014/main" id="{3F0E895C-9F6C-4086-B15D-2550797225CA}"/>
-              </a:ext>
-            </a:extLst>
-          </p:cNvPr>
-          <p:cNvSpPr>
-            <a:spLocks noGrp="1"/>
-          </p:cNvSpPr>
-          <p:nvPr>
-            <p:ph type="body"/>
+          <p:cNvPr id="2" name="Titel 1"/>
+          <p:cNvSpPr>
+            <a:spLocks noGrp="1"/>
+          </p:cNvSpPr>
+          <p:nvPr>
+            <p:ph type="title"/>
           </p:nvPr>
         </p:nvSpPr>
         <p:spPr/>
         <p:txBody>
-          <a:bodyPr>
-            <a:normAutofit fontScale="55000" lnSpcReduction="20000"/>
-          </a:bodyPr>
-          <a:lstStyle/>
-          <a:p>
-            <a:pPr marL="285750" lvl="3" indent="-285750">
-              <a:buFont typeface="Arial" panose="020B0604020202020204" pitchFamily="34" charset="0"/>
-              <a:buChar char="•"/>
-            </a:pPr>
-            <a:endParaRPr lang="da-DK" dirty="0"/>
-          </a:p>
-          <a:p>
-            <a:pPr marL="285750" lvl="3" indent="-285750">
-              <a:buFont typeface="Arial" panose="020B0604020202020204" pitchFamily="34" charset="0"/>
-              <a:buChar char="•"/>
-            </a:pPr>
-            <a:endParaRPr lang="da-DK" dirty="0"/>
-          </a:p>
-          <a:p>
-            <a:pPr marL="285750" lvl="3" indent="-285750">
-              <a:buFont typeface="Arial" panose="020B0604020202020204" pitchFamily="34" charset="0"/>
-              <a:buChar char="•"/>
-            </a:pPr>
-            <a:endParaRPr lang="da-DK" dirty="0"/>
-          </a:p>
-          <a:p>
-            <a:pPr marL="285750" lvl="3" indent="-285750">
-              <a:buFont typeface="Arial" panose="020B0604020202020204" pitchFamily="34" charset="0"/>
-              <a:buChar char="•"/>
-            </a:pPr>
-            <a:endParaRPr lang="da-DK" dirty="0"/>
-          </a:p>
-          <a:p>
-            <a:pPr marL="285750" lvl="3" indent="-285750">
-              <a:buFont typeface="Arial" panose="020B0604020202020204" pitchFamily="34" charset="0"/>
-              <a:buChar char="•"/>
-            </a:pPr>
+          <a:bodyPr/>
+          <a:lstStyle/>
+          <a:p>
             <a:r>
-              <a:rPr lang="da-DK" sz="2400" dirty="0"/>
-              <a:t>Flow / Koncentrat</a:t>
+              <a:rPr lang="da-DK" dirty="0" smtClean="0">
+                <a:solidFill>
+                  <a:schemeClr val="bg1"/>
+                </a:solidFill>
+              </a:rPr>
+              <a:t>Hvem er vi?</a:t>
             </a:r>
-          </a:p>
-          <a:p>
-            <a:pPr marL="742950" lvl="4" indent="-285750"/>
+            <a:endParaRPr lang="en-US" dirty="0">
+              <a:solidFill>
+                <a:schemeClr val="bg1"/>
+              </a:solidFill>
+            </a:endParaRPr>
+          </a:p>
+        </p:txBody>
+      </p:sp>
+      <p:sp>
+        <p:nvSpPr>
+          <p:cNvPr id="3" name="Undertitel 2"/>
+          <p:cNvSpPr>
+            <a:spLocks noGrp="1"/>
+          </p:cNvSpPr>
+          <p:nvPr>
+            <p:ph type="subTitle"/>
+          </p:nvPr>
+        </p:nvSpPr>
+        <p:spPr/>
+        <p:txBody>
+          <a:bodyPr/>
+          <a:lstStyle/>
+          <a:p>
+            <a:endParaRPr lang="da-DK" dirty="0" smtClean="0"/>
+          </a:p>
+          <a:p>
             <a:r>
-              <a:rPr lang="da-DK" dirty="0"/>
-              <a:t>Beboelse</a:t>
+              <a:rPr lang="da-DK" dirty="0" smtClean="0"/>
+              <a:t>Kontrol og Automation </a:t>
             </a:r>
           </a:p>
           <a:p>
-            <a:pPr marL="1200150" lvl="5" indent="-285750"/>
+            <a:pPr lvl="1"/>
             <a:r>
-              <a:rPr lang="da-DK" dirty="0"/>
-              <a:t>Konsistent</a:t>
+              <a:rPr lang="da-DK" dirty="0" smtClean="0"/>
+              <a:t>Modellering</a:t>
             </a:r>
           </a:p>
           <a:p>
-            <a:pPr marL="742950" lvl="4" indent="-285750"/>
+            <a:pPr lvl="2"/>
             <a:r>
-              <a:rPr lang="da-DK" dirty="0"/>
-              <a:t>Industri</a:t>
+              <a:rPr lang="da-DK" dirty="0" smtClean="0"/>
+              <a:t>System identifikation</a:t>
             </a:r>
           </a:p>
           <a:p>
-            <a:pPr marL="1200150" lvl="5" indent="-285750"/>
+            <a:pPr lvl="1"/>
             <a:r>
-              <a:rPr lang="da-DK" dirty="0"/>
-              <a:t>Ukendt</a:t>
+              <a:rPr lang="da-DK" dirty="0" smtClean="0"/>
+              <a:t>Regulering</a:t>
             </a:r>
           </a:p>
-        </p:txBody>
-      </p:sp>
-      <p:sp>
-        <p:nvSpPr>
-          <p:cNvPr id="2" name="Title 1">
-            <a:extLst>
-              <a:ext uri="{FF2B5EF4-FFF2-40B4-BE49-F238E27FC236}">
-                <a16:creationId xmlns:a16="http://schemas.microsoft.com/office/drawing/2014/main" id="{7274B48B-373C-4332-9B0F-66D00321AC95}"/>
-              </a:ext>
-            </a:extLst>
-          </p:cNvPr>
-          <p:cNvSpPr>
-            <a:spLocks noGrp="1"/>
-          </p:cNvSpPr>
-          <p:nvPr>
-            <p:ph type="title"/>
-          </p:nvPr>
-        </p:nvSpPr>
-        <p:spPr/>
-        <p:txBody>
-          <a:bodyPr/>
-          <a:lstStyle/>
-          <a:p>
+          <a:p>
+            <a:pPr lvl="2"/>
             <a:r>
-              <a:rPr lang="da-DK" dirty="0"/>
-              <a:t> </a:t>
+              <a:rPr lang="da-DK" dirty="0" smtClean="0"/>
+              <a:t>Temperatur, flow, position</a:t>
             </a:r>
-            <a:r>
-              <a:rPr lang="da-DK" sz="2000" dirty="0">
-                <a:solidFill>
-                  <a:schemeClr val="bg1"/>
-                </a:solidFill>
-              </a:rPr>
-              <a:t>Problemstillinger</a:t>
-            </a:r>
-            <a:endParaRPr lang="en-US" sz="2000" dirty="0"/>
-          </a:p>
-        </p:txBody>
-      </p:sp>
-      <p:pic>
-        <p:nvPicPr>
-          <p:cNvPr id="7" name="Picture 6">
-            <a:extLst>
-              <a:ext uri="{FF2B5EF4-FFF2-40B4-BE49-F238E27FC236}">
-                <a16:creationId xmlns:a16="http://schemas.microsoft.com/office/drawing/2014/main" id="{2DAF6613-23CC-4BE5-A32A-7DE147EDE97E}"/>
-              </a:ext>
-            </a:extLst>
-          </p:cNvPr>
-          <p:cNvPicPr>
-            <a:picLocks noChangeAspect="1"/>
-          </p:cNvPicPr>
-          <p:nvPr/>
-        </p:nvPicPr>
-        <p:blipFill>
-          <a:blip r:embed="rId2">
-            <a:extLst>
-              <a:ext uri="{28A0092B-C50C-407E-A947-70E740481C1C}">
-                <a14:useLocalDpi xmlns:a14="http://schemas.microsoft.com/office/drawing/2010/main" val="0"/>
-              </a:ext>
-            </a:extLst>
-          </a:blip>
-          <a:stretch>
-            <a:fillRect/>
-          </a:stretch>
-        </p:blipFill>
-        <p:spPr>
-          <a:xfrm>
-            <a:off x="3988106" y="1600209"/>
-            <a:ext cx="4221772" cy="2037591"/>
-          </a:xfrm>
-          <a:prstGeom prst="rect">
-            <a:avLst/>
-          </a:prstGeom>
-        </p:spPr>
-      </p:pic>
-      <p:pic>
-        <p:nvPicPr>
-          <p:cNvPr id="11" name="Picture 10">
-            <a:extLst>
-              <a:ext uri="{FF2B5EF4-FFF2-40B4-BE49-F238E27FC236}">
-                <a16:creationId xmlns:a16="http://schemas.microsoft.com/office/drawing/2014/main" id="{DD2DEAC5-B8E2-43EE-8736-54457CF80FD8}"/>
-              </a:ext>
-            </a:extLst>
-          </p:cNvPr>
-          <p:cNvPicPr>
-            <a:picLocks noChangeAspect="1"/>
-          </p:cNvPicPr>
-          <p:nvPr/>
-        </p:nvPicPr>
-        <p:blipFill>
-          <a:blip r:embed="rId3">
-            <a:extLst>
-              <a:ext uri="{28A0092B-C50C-407E-A947-70E740481C1C}">
-                <a14:useLocalDpi xmlns:a14="http://schemas.microsoft.com/office/drawing/2010/main" val="0"/>
-              </a:ext>
-            </a:extLst>
-          </a:blip>
-          <a:stretch>
-            <a:fillRect/>
-          </a:stretch>
-        </p:blipFill>
-        <p:spPr>
-          <a:xfrm>
-            <a:off x="3988106" y="3637800"/>
-            <a:ext cx="4361415" cy="2059557"/>
-          </a:xfrm>
-          <a:prstGeom prst="rect">
-            <a:avLst/>
-          </a:prstGeom>
-        </p:spPr>
-      </p:pic>
+          </a:p>
+          <a:p>
+            <a:pPr lvl="1"/>
+            <a:endParaRPr lang="en-US" dirty="0"/>
+          </a:p>
+        </p:txBody>
+      </p:sp>
     </p:spTree>
     <p:extLst>
       <p:ext uri="{BB962C8B-B14F-4D97-AF65-F5344CB8AC3E}">
-        <p14:creationId xmlns:p14="http://schemas.microsoft.com/office/powerpoint/2010/main" val="3805629124"/>
+        <p14:creationId xmlns:p14="http://schemas.microsoft.com/office/powerpoint/2010/main" val="3773052481"/>
       </p:ext>
     </p:extLst>
   </p:cSld>
@@ -5565,10 +5589,100 @@
       </p:grpSpPr>
       <p:sp>
         <p:nvSpPr>
+          <p:cNvPr id="3" name="Subtitle 2">
+            <a:extLst>
+              <a:ext uri="{FF2B5EF4-FFF2-40B4-BE49-F238E27FC236}">
+                <a16:creationId xmlns:a16="http://schemas.microsoft.com/office/drawing/2014/main" xmlns="" id="{3F0E895C-9F6C-4086-B15D-2550797225CA}"/>
+              </a:ext>
+            </a:extLst>
+          </p:cNvPr>
+          <p:cNvSpPr>
+            <a:spLocks noGrp="1"/>
+          </p:cNvSpPr>
+          <p:nvPr>
+            <p:ph type="body"/>
+          </p:nvPr>
+        </p:nvSpPr>
+        <p:spPr/>
+        <p:txBody>
+          <a:bodyPr>
+            <a:normAutofit fontScale="55000" lnSpcReduction="20000"/>
+          </a:bodyPr>
+          <a:lstStyle/>
+          <a:p>
+            <a:pPr marL="285750" lvl="3" indent="-285750">
+              <a:buFont typeface="Arial" panose="020B0604020202020204" pitchFamily="34" charset="0"/>
+              <a:buChar char="•"/>
+            </a:pPr>
+            <a:endParaRPr lang="da-DK" dirty="0"/>
+          </a:p>
+          <a:p>
+            <a:pPr marL="285750" lvl="3" indent="-285750">
+              <a:buFont typeface="Arial" panose="020B0604020202020204" pitchFamily="34" charset="0"/>
+              <a:buChar char="•"/>
+            </a:pPr>
+            <a:endParaRPr lang="da-DK" dirty="0"/>
+          </a:p>
+          <a:p>
+            <a:pPr marL="285750" lvl="3" indent="-285750">
+              <a:buFont typeface="Arial" panose="020B0604020202020204" pitchFamily="34" charset="0"/>
+              <a:buChar char="•"/>
+            </a:pPr>
+            <a:endParaRPr lang="da-DK" dirty="0"/>
+          </a:p>
+          <a:p>
+            <a:pPr marL="285750" lvl="3" indent="-285750">
+              <a:buFont typeface="Arial" panose="020B0604020202020204" pitchFamily="34" charset="0"/>
+              <a:buChar char="•"/>
+            </a:pPr>
+            <a:endParaRPr lang="da-DK" dirty="0"/>
+          </a:p>
+          <a:p>
+            <a:pPr marL="285750" lvl="3" indent="-285750">
+              <a:buFont typeface="Arial" panose="020B0604020202020204" pitchFamily="34" charset="0"/>
+              <a:buChar char="•"/>
+            </a:pPr>
+            <a:r>
+              <a:rPr lang="da-DK" sz="2400" dirty="0"/>
+              <a:t>Flow / Koncentrat</a:t>
+            </a:r>
+          </a:p>
+          <a:p>
+            <a:pPr marL="742950" lvl="4" indent="-285750"/>
+            <a:r>
+              <a:rPr lang="da-DK" dirty="0"/>
+              <a:t>Beboelse</a:t>
+            </a:r>
+          </a:p>
+          <a:p>
+            <a:pPr marL="1200150" lvl="5" indent="-285750"/>
+            <a:r>
+              <a:rPr lang="da-DK" dirty="0"/>
+              <a:t>Konsistent</a:t>
+            </a:r>
+          </a:p>
+          <a:p>
+            <a:pPr marL="742950" lvl="4" indent="-285750"/>
+            <a:r>
+              <a:rPr lang="da-DK" dirty="0"/>
+              <a:t>Industri</a:t>
+            </a:r>
+          </a:p>
+          <a:p>
+            <a:pPr marL="1200150" lvl="5" indent="-285750"/>
+            <a:r>
+              <a:rPr lang="da-DK" dirty="0"/>
+              <a:t>Ukendt</a:t>
+            </a:r>
+          </a:p>
+        </p:txBody>
+      </p:sp>
+      <p:sp>
+        <p:nvSpPr>
           <p:cNvPr id="2" name="Title 1">
             <a:extLst>
               <a:ext uri="{FF2B5EF4-FFF2-40B4-BE49-F238E27FC236}">
-                <a16:creationId xmlns:a16="http://schemas.microsoft.com/office/drawing/2014/main" id="{2153FAD0-F6CD-45B9-AF46-5C6569B70C39}"/>
+                <a16:creationId xmlns:a16="http://schemas.microsoft.com/office/drawing/2014/main" xmlns="" id="{7274B48B-373C-4332-9B0F-66D00321AC95}"/>
               </a:ext>
             </a:extLst>
           </p:cNvPr>
@@ -5585,52 +5699,27 @@
           <a:lstStyle/>
           <a:p>
             <a:r>
-              <a:rPr lang="da-DK" sz="2000" dirty="0">
-                <a:solidFill>
-                  <a:schemeClr val="bg1"/>
-                </a:solidFill>
-              </a:rPr>
-              <a:t>  Area of interest</a:t>
+              <a:rPr lang="da-DK" dirty="0"/>
+              <a:t> </a:t>
             </a:r>
             <a:r>
-              <a:rPr lang="da-DK" dirty="0"/>
-              <a:t>	</a:t>
+              <a:rPr lang="da-DK" sz="2000" dirty="0">
+                <a:solidFill>
+                  <a:schemeClr val="bg1"/>
+                </a:solidFill>
+              </a:rPr>
+              <a:t>Problemstillinger</a:t>
             </a:r>
-            <a:endParaRPr lang="en-US" dirty="0"/>
-          </a:p>
-        </p:txBody>
-      </p:sp>
-      <p:sp>
-        <p:nvSpPr>
-          <p:cNvPr id="3" name="Subtitle 2">
+            <a:endParaRPr lang="en-US" sz="2000" dirty="0"/>
+          </a:p>
+        </p:txBody>
+      </p:sp>
+      <p:pic>
+        <p:nvPicPr>
+          <p:cNvPr id="7" name="Picture 6">
             <a:extLst>
               <a:ext uri="{FF2B5EF4-FFF2-40B4-BE49-F238E27FC236}">
-                <a16:creationId xmlns:a16="http://schemas.microsoft.com/office/drawing/2014/main" id="{DA540DE6-7610-4E1F-98B1-37B75DF1286A}"/>
-              </a:ext>
-            </a:extLst>
-          </p:cNvPr>
-          <p:cNvSpPr>
-            <a:spLocks noGrp="1"/>
-          </p:cNvSpPr>
-          <p:nvPr>
-            <p:ph type="subTitle"/>
-          </p:nvPr>
-        </p:nvSpPr>
-        <p:spPr/>
-        <p:txBody>
-          <a:bodyPr/>
-          <a:lstStyle/>
-          <a:p>
-            <a:endParaRPr lang="en-US" dirty="0"/>
-          </a:p>
-        </p:txBody>
-      </p:sp>
-      <p:pic>
-        <p:nvPicPr>
-          <p:cNvPr id="5" name="Picture 4">
-            <a:extLst>
-              <a:ext uri="{FF2B5EF4-FFF2-40B4-BE49-F238E27FC236}">
-                <a16:creationId xmlns:a16="http://schemas.microsoft.com/office/drawing/2014/main" id="{06304EAD-ED49-4CB8-9D85-0EB394BA1964}"/>
+                <a16:creationId xmlns:a16="http://schemas.microsoft.com/office/drawing/2014/main" xmlns="" id="{2DAF6613-23CC-4BE5-A32A-7DE147EDE97E}"/>
               </a:ext>
             </a:extLst>
           </p:cNvPr>
@@ -5653,6 +5742,170 @@
         </p:blipFill>
         <p:spPr>
           <a:xfrm>
+            <a:off x="3988106" y="1600209"/>
+            <a:ext cx="4221772" cy="2037591"/>
+          </a:xfrm>
+          <a:prstGeom prst="rect">
+            <a:avLst/>
+          </a:prstGeom>
+        </p:spPr>
+      </p:pic>
+      <p:pic>
+        <p:nvPicPr>
+          <p:cNvPr id="11" name="Picture 10">
+            <a:extLst>
+              <a:ext uri="{FF2B5EF4-FFF2-40B4-BE49-F238E27FC236}">
+                <a16:creationId xmlns:a16="http://schemas.microsoft.com/office/drawing/2014/main" xmlns="" id="{DD2DEAC5-B8E2-43EE-8736-54457CF80FD8}"/>
+              </a:ext>
+            </a:extLst>
+          </p:cNvPr>
+          <p:cNvPicPr>
+            <a:picLocks noChangeAspect="1"/>
+          </p:cNvPicPr>
+          <p:nvPr/>
+        </p:nvPicPr>
+        <p:blipFill>
+          <a:blip r:embed="rId3">
+            <a:extLst>
+              <a:ext uri="{28A0092B-C50C-407E-A947-70E740481C1C}">
+                <a14:useLocalDpi xmlns:a14="http://schemas.microsoft.com/office/drawing/2010/main" val="0"/>
+              </a:ext>
+            </a:extLst>
+          </a:blip>
+          <a:stretch>
+            <a:fillRect/>
+          </a:stretch>
+        </p:blipFill>
+        <p:spPr>
+          <a:xfrm>
+            <a:off x="3988106" y="3637800"/>
+            <a:ext cx="4361415" cy="2059557"/>
+          </a:xfrm>
+          <a:prstGeom prst="rect">
+            <a:avLst/>
+          </a:prstGeom>
+        </p:spPr>
+      </p:pic>
+    </p:spTree>
+    <p:extLst>
+      <p:ext uri="{BB962C8B-B14F-4D97-AF65-F5344CB8AC3E}">
+        <p14:creationId xmlns:p14="http://schemas.microsoft.com/office/powerpoint/2010/main" val="3805629124"/>
+      </p:ext>
+    </p:extLst>
+  </p:cSld>
+  <p:clrMapOvr>
+    <a:masterClrMapping/>
+  </p:clrMapOvr>
+</p:sld>
+</file>
+
+<file path=ppt/slides/slide5.xml><?xml version="1.0" encoding="utf-8"?>
+<p:sld xmlns:a="http://schemas.openxmlformats.org/drawingml/2006/main" xmlns:r="http://schemas.openxmlformats.org/officeDocument/2006/relationships" xmlns:p="http://schemas.openxmlformats.org/presentationml/2006/main">
+  <p:cSld>
+    <p:spTree>
+      <p:nvGrpSpPr>
+        <p:cNvPr id="1" name=""/>
+        <p:cNvGrpSpPr/>
+        <p:nvPr/>
+      </p:nvGrpSpPr>
+      <p:grpSpPr>
+        <a:xfrm>
+          <a:off x="0" y="0"/>
+          <a:ext cx="0" cy="0"/>
+          <a:chOff x="0" y="0"/>
+          <a:chExt cx="0" cy="0"/>
+        </a:xfrm>
+      </p:grpSpPr>
+      <p:sp>
+        <p:nvSpPr>
+          <p:cNvPr id="2" name="Title 1">
+            <a:extLst>
+              <a:ext uri="{FF2B5EF4-FFF2-40B4-BE49-F238E27FC236}">
+                <a16:creationId xmlns:a16="http://schemas.microsoft.com/office/drawing/2014/main" xmlns="" id="{2153FAD0-F6CD-45B9-AF46-5C6569B70C39}"/>
+              </a:ext>
+            </a:extLst>
+          </p:cNvPr>
+          <p:cNvSpPr>
+            <a:spLocks noGrp="1"/>
+          </p:cNvSpPr>
+          <p:nvPr>
+            <p:ph type="title"/>
+          </p:nvPr>
+        </p:nvSpPr>
+        <p:spPr/>
+        <p:txBody>
+          <a:bodyPr/>
+          <a:lstStyle/>
+          <a:p>
+            <a:r>
+              <a:rPr lang="da-DK" sz="2000" dirty="0">
+                <a:solidFill>
+                  <a:schemeClr val="bg1"/>
+                </a:solidFill>
+              </a:rPr>
+              <a:t>  Area of interest</a:t>
+            </a:r>
+            <a:r>
+              <a:rPr lang="da-DK" dirty="0"/>
+              <a:t>	</a:t>
+            </a:r>
+            <a:endParaRPr lang="en-US" dirty="0"/>
+          </a:p>
+        </p:txBody>
+      </p:sp>
+      <p:sp>
+        <p:nvSpPr>
+          <p:cNvPr id="3" name="Subtitle 2">
+            <a:extLst>
+              <a:ext uri="{FF2B5EF4-FFF2-40B4-BE49-F238E27FC236}">
+                <a16:creationId xmlns:a16="http://schemas.microsoft.com/office/drawing/2014/main" xmlns="" id="{DA540DE6-7610-4E1F-98B1-37B75DF1286A}"/>
+              </a:ext>
+            </a:extLst>
+          </p:cNvPr>
+          <p:cNvSpPr>
+            <a:spLocks noGrp="1"/>
+          </p:cNvSpPr>
+          <p:nvPr>
+            <p:ph type="subTitle"/>
+          </p:nvPr>
+        </p:nvSpPr>
+        <p:spPr/>
+        <p:txBody>
+          <a:bodyPr/>
+          <a:lstStyle/>
+          <a:p>
+            <a:endParaRPr lang="en-US" dirty="0"/>
+          </a:p>
+        </p:txBody>
+      </p:sp>
+      <p:pic>
+        <p:nvPicPr>
+          <p:cNvPr id="5" name="Picture 4">
+            <a:extLst>
+              <a:ext uri="{FF2B5EF4-FFF2-40B4-BE49-F238E27FC236}">
+                <a16:creationId xmlns:a16="http://schemas.microsoft.com/office/drawing/2014/main" xmlns="" id="{06304EAD-ED49-4CB8-9D85-0EB394BA1964}"/>
+              </a:ext>
+            </a:extLst>
+          </p:cNvPr>
+          <p:cNvPicPr>
+            <a:picLocks noChangeAspect="1"/>
+          </p:cNvPicPr>
+          <p:nvPr/>
+        </p:nvPicPr>
+        <p:blipFill>
+          <a:blip r:embed="rId2">
+            <a:extLst>
+              <a:ext uri="{28A0092B-C50C-407E-A947-70E740481C1C}">
+                <a14:useLocalDpi xmlns:a14="http://schemas.microsoft.com/office/drawing/2010/main" val="0"/>
+              </a:ext>
+            </a:extLst>
+          </a:blip>
+          <a:stretch>
+            <a:fillRect/>
+          </a:stretch>
+        </p:blipFill>
+        <p:spPr>
+          <a:xfrm>
             <a:off x="1847281" y="1600200"/>
             <a:ext cx="5449077" cy="4075200"/>
           </a:xfrm>
@@ -5674,7 +5927,7 @@
 </p:sld>
 </file>
 
-<file path=ppt/slides/slide5.xml><?xml version="1.0" encoding="utf-8"?>
+<file path=ppt/slides/slide6.xml><?xml version="1.0" encoding="utf-8"?>
 <p:sld xmlns:a="http://schemas.openxmlformats.org/drawingml/2006/main" xmlns:r="http://schemas.openxmlformats.org/officeDocument/2006/relationships" xmlns:p="http://schemas.openxmlformats.org/presentationml/2006/main">
   <p:cSld>
     <p:bg>
@@ -5704,7 +5957,7 @@
           <p:cNvPr id="12" name="Rectangle 11">
             <a:extLst>
               <a:ext uri="{FF2B5EF4-FFF2-40B4-BE49-F238E27FC236}">
-                <a16:creationId xmlns:a16="http://schemas.microsoft.com/office/drawing/2014/main" id="{48DC5E34-8E8F-4A88-A46D-2753E2123B4D}"/>
+                <a16:creationId xmlns:a16="http://schemas.microsoft.com/office/drawing/2014/main" xmlns="" id="{48DC5E34-8E8F-4A88-A46D-2753E2123B4D}"/>
               </a:ext>
             </a:extLst>
           </p:cNvPr>
@@ -5758,7 +6011,7 @@
           <p:cNvPr id="5" name="Picture 4">
             <a:extLst>
               <a:ext uri="{FF2B5EF4-FFF2-40B4-BE49-F238E27FC236}">
-                <a16:creationId xmlns:a16="http://schemas.microsoft.com/office/drawing/2014/main" id="{C46B8726-45A3-4C15-B455-6B6660EE030D}"/>
+                <a16:creationId xmlns:a16="http://schemas.microsoft.com/office/drawing/2014/main" xmlns="" id="{C46B8726-45A3-4C15-B455-6B6660EE030D}"/>
               </a:ext>
             </a:extLst>
           </p:cNvPr>
@@ -5793,172 +6046,6 @@
     <p:extLst>
       <p:ext uri="{BB962C8B-B14F-4D97-AF65-F5344CB8AC3E}">
         <p14:creationId xmlns:p14="http://schemas.microsoft.com/office/powerpoint/2010/main" val="2795061214"/>
-      </p:ext>
-    </p:extLst>
-  </p:cSld>
-  <p:clrMapOvr>
-    <a:masterClrMapping/>
-  </p:clrMapOvr>
-</p:sld>
-</file>
-
-<file path=ppt/slides/slide6.xml><?xml version="1.0" encoding="utf-8"?>
-<p:sld xmlns:a="http://schemas.openxmlformats.org/drawingml/2006/main" xmlns:r="http://schemas.openxmlformats.org/officeDocument/2006/relationships" xmlns:p="http://schemas.openxmlformats.org/presentationml/2006/main">
-  <p:cSld>
-    <p:spTree>
-      <p:nvGrpSpPr>
-        <p:cNvPr id="1" name=""/>
-        <p:cNvGrpSpPr/>
-        <p:nvPr/>
-      </p:nvGrpSpPr>
-      <p:grpSpPr>
-        <a:xfrm>
-          <a:off x="0" y="0"/>
-          <a:ext cx="0" cy="0"/>
-          <a:chOff x="0" y="0"/>
-          <a:chExt cx="0" cy="0"/>
-        </a:xfrm>
-      </p:grpSpPr>
-      <p:sp>
-        <p:nvSpPr>
-          <p:cNvPr id="2" name="Title 1">
-            <a:extLst>
-              <a:ext uri="{FF2B5EF4-FFF2-40B4-BE49-F238E27FC236}">
-                <a16:creationId xmlns:a16="http://schemas.microsoft.com/office/drawing/2014/main" id="{5F8902FD-69D0-42A1-BE63-48ED560B3BDA}"/>
-              </a:ext>
-            </a:extLst>
-          </p:cNvPr>
-          <p:cNvSpPr>
-            <a:spLocks noGrp="1"/>
-          </p:cNvSpPr>
-          <p:nvPr>
-            <p:ph type="title"/>
-          </p:nvPr>
-        </p:nvSpPr>
-        <p:spPr/>
-        <p:txBody>
-          <a:bodyPr>
-            <a:normAutofit/>
-          </a:bodyPr>
-          <a:lstStyle/>
-          <a:p>
-            <a:r>
-              <a:rPr lang="da-DK" sz="2000" dirty="0">
-                <a:solidFill>
-                  <a:schemeClr val="bg1"/>
-                </a:solidFill>
-              </a:rPr>
-              <a:t>  Løsnings forslag</a:t>
-            </a:r>
-            <a:endParaRPr lang="en-US" sz="2000" dirty="0">
-              <a:solidFill>
-                <a:schemeClr val="bg1"/>
-              </a:solidFill>
-            </a:endParaRPr>
-          </a:p>
-        </p:txBody>
-      </p:sp>
-      <p:sp>
-        <p:nvSpPr>
-          <p:cNvPr id="3" name="Subtitle 2">
-            <a:extLst>
-              <a:ext uri="{FF2B5EF4-FFF2-40B4-BE49-F238E27FC236}">
-                <a16:creationId xmlns:a16="http://schemas.microsoft.com/office/drawing/2014/main" id="{D5888F27-B7F2-49DA-A67B-882936BDC0D6}"/>
-              </a:ext>
-            </a:extLst>
-          </p:cNvPr>
-          <p:cNvSpPr>
-            <a:spLocks noGrp="1"/>
-          </p:cNvSpPr>
-          <p:nvPr>
-            <p:ph type="subTitle"/>
-          </p:nvPr>
-        </p:nvSpPr>
-        <p:spPr/>
-        <p:txBody>
-          <a:bodyPr/>
-          <a:lstStyle/>
-          <a:p>
-            <a:endParaRPr lang="en-US" dirty="0"/>
-          </a:p>
-        </p:txBody>
-      </p:sp>
-      <p:pic>
-        <p:nvPicPr>
-          <p:cNvPr id="5" name="Picture 4">
-            <a:extLst>
-              <a:ext uri="{FF2B5EF4-FFF2-40B4-BE49-F238E27FC236}">
-                <a16:creationId xmlns:a16="http://schemas.microsoft.com/office/drawing/2014/main" id="{AB523A48-1674-43B8-8AF1-F581F20AB5BD}"/>
-              </a:ext>
-            </a:extLst>
-          </p:cNvPr>
-          <p:cNvPicPr>
-            <a:picLocks noChangeAspect="1"/>
-          </p:cNvPicPr>
-          <p:nvPr/>
-        </p:nvPicPr>
-        <p:blipFill>
-          <a:blip r:embed="rId2">
-            <a:extLst>
-              <a:ext uri="{28A0092B-C50C-407E-A947-70E740481C1C}">
-                <a14:useLocalDpi xmlns:a14="http://schemas.microsoft.com/office/drawing/2010/main" val="0"/>
-              </a:ext>
-            </a:extLst>
-          </a:blip>
-          <a:stretch>
-            <a:fillRect/>
-          </a:stretch>
-        </p:blipFill>
-        <p:spPr>
-          <a:xfrm>
-            <a:off x="765223" y="1600200"/>
-            <a:ext cx="4767829" cy="2616174"/>
-          </a:xfrm>
-          <a:prstGeom prst="rect">
-            <a:avLst/>
-          </a:prstGeom>
-        </p:spPr>
-      </p:pic>
-      <p:pic>
-        <p:nvPicPr>
-          <p:cNvPr id="6" name="Picture 5">
-            <a:extLst>
-              <a:ext uri="{FF2B5EF4-FFF2-40B4-BE49-F238E27FC236}">
-                <a16:creationId xmlns:a16="http://schemas.microsoft.com/office/drawing/2014/main" id="{369F1B4B-2381-4882-BA46-057C173CCEA4}"/>
-              </a:ext>
-            </a:extLst>
-          </p:cNvPr>
-          <p:cNvPicPr>
-            <a:picLocks noChangeAspect="1"/>
-          </p:cNvPicPr>
-          <p:nvPr/>
-        </p:nvPicPr>
-        <p:blipFill>
-          <a:blip r:embed="rId3">
-            <a:extLst>
-              <a:ext uri="{28A0092B-C50C-407E-A947-70E740481C1C}">
-                <a14:useLocalDpi xmlns:a14="http://schemas.microsoft.com/office/drawing/2010/main" val="0"/>
-              </a:ext>
-            </a:extLst>
-          </a:blip>
-          <a:stretch>
-            <a:fillRect/>
-          </a:stretch>
-        </p:blipFill>
-        <p:spPr>
-          <a:xfrm>
-            <a:off x="5533052" y="4216374"/>
-            <a:ext cx="2967135" cy="1674615"/>
-          </a:xfrm>
-          <a:prstGeom prst="rect">
-            <a:avLst/>
-          </a:prstGeom>
-        </p:spPr>
-      </p:pic>
-    </p:spTree>
-    <p:extLst>
-      <p:ext uri="{BB962C8B-B14F-4D97-AF65-F5344CB8AC3E}">
-        <p14:creationId xmlns:p14="http://schemas.microsoft.com/office/powerpoint/2010/main" val="597012721"/>
       </p:ext>
     </p:extLst>
   </p:cSld>
@@ -5987,10 +6074,49 @@
       </p:grpSpPr>
       <p:sp>
         <p:nvSpPr>
+          <p:cNvPr id="2" name="Title 1">
+            <a:extLst>
+              <a:ext uri="{FF2B5EF4-FFF2-40B4-BE49-F238E27FC236}">
+                <a16:creationId xmlns:a16="http://schemas.microsoft.com/office/drawing/2014/main" xmlns="" id="{5F8902FD-69D0-42A1-BE63-48ED560B3BDA}"/>
+              </a:ext>
+            </a:extLst>
+          </p:cNvPr>
+          <p:cNvSpPr>
+            <a:spLocks noGrp="1"/>
+          </p:cNvSpPr>
+          <p:nvPr>
+            <p:ph type="title"/>
+          </p:nvPr>
+        </p:nvSpPr>
+        <p:spPr/>
+        <p:txBody>
+          <a:bodyPr>
+            <a:normAutofit/>
+          </a:bodyPr>
+          <a:lstStyle/>
+          <a:p>
+            <a:r>
+              <a:rPr lang="da-DK" sz="2000" dirty="0">
+                <a:solidFill>
+                  <a:schemeClr val="bg1"/>
+                </a:solidFill>
+              </a:rPr>
+              <a:t>  Løsnings forslag</a:t>
+            </a:r>
+            <a:endParaRPr lang="en-US" sz="2000" dirty="0">
+              <a:solidFill>
+                <a:schemeClr val="bg1"/>
+              </a:solidFill>
+            </a:endParaRPr>
+          </a:p>
+        </p:txBody>
+      </p:sp>
+      <p:sp>
+        <p:nvSpPr>
           <p:cNvPr id="3" name="Subtitle 2">
             <a:extLst>
               <a:ext uri="{FF2B5EF4-FFF2-40B4-BE49-F238E27FC236}">
-                <a16:creationId xmlns:a16="http://schemas.microsoft.com/office/drawing/2014/main" id="{4248E21A-F719-49C1-AD8D-36A53113C344}"/>
+                <a16:creationId xmlns:a16="http://schemas.microsoft.com/office/drawing/2014/main" xmlns="" id="{D5888F27-B7F2-49DA-A67B-882936BDC0D6}"/>
               </a:ext>
             </a:extLst>
           </p:cNvPr>
@@ -5998,98 +6124,94 @@
             <a:spLocks noGrp="1"/>
           </p:cNvSpPr>
           <p:nvPr>
-            <p:ph type="body"/>
+            <p:ph type="subTitle"/>
           </p:nvPr>
         </p:nvSpPr>
         <p:spPr/>
         <p:txBody>
-          <a:bodyPr>
-            <a:normAutofit fontScale="85000" lnSpcReduction="20000"/>
-          </a:bodyPr>
-          <a:lstStyle/>
-          <a:p>
-            <a:pPr fontAlgn="ctr"/>
-            <a:r>
-              <a:rPr lang="da-DK" dirty="0"/>
-              <a:t>Projekt/præsentation</a:t>
-            </a:r>
-          </a:p>
-          <a:p>
-            <a:pPr lvl="1" fontAlgn="ctr"/>
-            <a:r>
-              <a:rPr lang="da-DK" dirty="0"/>
-              <a:t>Giver valg af hovedledning mening (præsentation)?</a:t>
-            </a:r>
-          </a:p>
-          <a:p>
-            <a:pPr lvl="1" fontAlgn="ctr"/>
-            <a:r>
-              <a:rPr lang="da-DK" dirty="0"/>
-              <a:t>Kan hovedledning simplificeres som vist?</a:t>
-            </a:r>
-          </a:p>
-          <a:p>
-            <a:pPr lvl="1" fontAlgn="ctr"/>
-            <a:r>
-              <a:rPr lang="da-DK" dirty="0"/>
-              <a:t>Er projektet relevant i forhold til Fredericia?</a:t>
-            </a:r>
-          </a:p>
-          <a:p>
-            <a:pPr lvl="2" fontAlgn="ctr"/>
-            <a:r>
-              <a:rPr lang="da-DK" dirty="0"/>
-              <a:t>Flowstyring af input til rensningsanlæg og ikke regulering af kemiske forbindelser i ledningsnettet.</a:t>
-            </a:r>
-          </a:p>
+          <a:bodyPr/>
+          <a:lstStyle/>
           <a:p>
             <a:endParaRPr lang="en-US" dirty="0"/>
           </a:p>
         </p:txBody>
       </p:sp>
-      <p:sp>
-        <p:nvSpPr>
-          <p:cNvPr id="2" name="Title 1">
+      <p:pic>
+        <p:nvPicPr>
+          <p:cNvPr id="5" name="Picture 4">
             <a:extLst>
               <a:ext uri="{FF2B5EF4-FFF2-40B4-BE49-F238E27FC236}">
-                <a16:creationId xmlns:a16="http://schemas.microsoft.com/office/drawing/2014/main" id="{467D8F15-166C-4E7B-92EC-9CEC49B78715}"/>
+                <a16:creationId xmlns:a16="http://schemas.microsoft.com/office/drawing/2014/main" xmlns="" id="{AB523A48-1674-43B8-8AF1-F581F20AB5BD}"/>
               </a:ext>
             </a:extLst>
           </p:cNvPr>
-          <p:cNvSpPr>
-            <a:spLocks noGrp="1"/>
-          </p:cNvSpPr>
-          <p:nvPr>
-            <p:ph type="title"/>
-          </p:nvPr>
-        </p:nvSpPr>
-        <p:spPr/>
-        <p:txBody>
-          <a:bodyPr>
-            <a:normAutofit/>
-          </a:bodyPr>
-          <a:lstStyle/>
-          <a:p>
-            <a:r>
-              <a:rPr lang="da-DK" sz="2000" dirty="0">
-                <a:solidFill>
-                  <a:schemeClr val="bg1"/>
-                </a:solidFill>
-              </a:rPr>
-              <a:t>    Sprørgsmål</a:t>
-            </a:r>
-            <a:endParaRPr lang="en-US" sz="2000" dirty="0">
-              <a:solidFill>
-                <a:schemeClr val="bg1"/>
-              </a:solidFill>
-            </a:endParaRPr>
-          </a:p>
-        </p:txBody>
-      </p:sp>
+          <p:cNvPicPr>
+            <a:picLocks noChangeAspect="1"/>
+          </p:cNvPicPr>
+          <p:nvPr/>
+        </p:nvPicPr>
+        <p:blipFill>
+          <a:blip r:embed="rId2">
+            <a:extLst>
+              <a:ext uri="{28A0092B-C50C-407E-A947-70E740481C1C}">
+                <a14:useLocalDpi xmlns:a14="http://schemas.microsoft.com/office/drawing/2010/main" val="0"/>
+              </a:ext>
+            </a:extLst>
+          </a:blip>
+          <a:stretch>
+            <a:fillRect/>
+          </a:stretch>
+        </p:blipFill>
+        <p:spPr>
+          <a:xfrm>
+            <a:off x="765223" y="1600200"/>
+            <a:ext cx="4767829" cy="2616174"/>
+          </a:xfrm>
+          <a:prstGeom prst="rect">
+            <a:avLst/>
+          </a:prstGeom>
+        </p:spPr>
+      </p:pic>
+      <p:pic>
+        <p:nvPicPr>
+          <p:cNvPr id="6" name="Picture 5">
+            <a:extLst>
+              <a:ext uri="{FF2B5EF4-FFF2-40B4-BE49-F238E27FC236}">
+                <a16:creationId xmlns:a16="http://schemas.microsoft.com/office/drawing/2014/main" xmlns="" id="{369F1B4B-2381-4882-BA46-057C173CCEA4}"/>
+              </a:ext>
+            </a:extLst>
+          </p:cNvPr>
+          <p:cNvPicPr>
+            <a:picLocks noChangeAspect="1"/>
+          </p:cNvPicPr>
+          <p:nvPr/>
+        </p:nvPicPr>
+        <p:blipFill>
+          <a:blip r:embed="rId3">
+            <a:extLst>
+              <a:ext uri="{28A0092B-C50C-407E-A947-70E740481C1C}">
+                <a14:useLocalDpi xmlns:a14="http://schemas.microsoft.com/office/drawing/2010/main" val="0"/>
+              </a:ext>
+            </a:extLst>
+          </a:blip>
+          <a:stretch>
+            <a:fillRect/>
+          </a:stretch>
+        </p:blipFill>
+        <p:spPr>
+          <a:xfrm>
+            <a:off x="5533052" y="4216374"/>
+            <a:ext cx="2967135" cy="1674615"/>
+          </a:xfrm>
+          <a:prstGeom prst="rect">
+            <a:avLst/>
+          </a:prstGeom>
+        </p:spPr>
+      </p:pic>
     </p:spTree>
     <p:extLst>
       <p:ext uri="{BB962C8B-B14F-4D97-AF65-F5344CB8AC3E}">
-        <p14:creationId xmlns:p14="http://schemas.microsoft.com/office/powerpoint/2010/main" val="1043751913"/>
+        <p14:creationId xmlns:p14="http://schemas.microsoft.com/office/powerpoint/2010/main" val="597012721"/>
       </p:ext>
     </p:extLst>
   </p:cSld>
@@ -6118,10 +6240,49 @@
       </p:grpSpPr>
       <p:sp>
         <p:nvSpPr>
+          <p:cNvPr id="2" name="Title 1">
+            <a:extLst>
+              <a:ext uri="{FF2B5EF4-FFF2-40B4-BE49-F238E27FC236}">
+                <a16:creationId xmlns:a16="http://schemas.microsoft.com/office/drawing/2014/main" xmlns="" id="{467D8F15-166C-4E7B-92EC-9CEC49B78715}"/>
+              </a:ext>
+            </a:extLst>
+          </p:cNvPr>
+          <p:cNvSpPr>
+            <a:spLocks noGrp="1"/>
+          </p:cNvSpPr>
+          <p:nvPr>
+            <p:ph type="title"/>
+          </p:nvPr>
+        </p:nvSpPr>
+        <p:spPr/>
+        <p:txBody>
+          <a:bodyPr>
+            <a:normAutofit/>
+          </a:bodyPr>
+          <a:lstStyle/>
+          <a:p>
+            <a:r>
+              <a:rPr lang="da-DK" sz="2000" dirty="0">
+                <a:solidFill>
+                  <a:schemeClr val="bg1"/>
+                </a:solidFill>
+              </a:rPr>
+              <a:t>    Sprørgsmål</a:t>
+            </a:r>
+            <a:endParaRPr lang="en-US" sz="2000" dirty="0">
+              <a:solidFill>
+                <a:schemeClr val="bg1"/>
+              </a:solidFill>
+            </a:endParaRPr>
+          </a:p>
+        </p:txBody>
+      </p:sp>
+      <p:sp>
+        <p:nvSpPr>
           <p:cNvPr id="3" name="Subtitle 2">
             <a:extLst>
               <a:ext uri="{FF2B5EF4-FFF2-40B4-BE49-F238E27FC236}">
-                <a16:creationId xmlns:a16="http://schemas.microsoft.com/office/drawing/2014/main" id="{509BA6FE-4B8C-4275-8961-6B5511996348}"/>
+                <a16:creationId xmlns:a16="http://schemas.microsoft.com/office/drawing/2014/main" xmlns="" id="{4248E21A-F719-49C1-AD8D-36A53113C344}"/>
               </a:ext>
             </a:extLst>
           </p:cNvPr>
@@ -6142,108 +6303,46 @@
             <a:pPr fontAlgn="ctr"/>
             <a:r>
               <a:rPr lang="da-DK" dirty="0"/>
-              <a:t>Rensningsanlæg</a:t>
+              <a:t>Projekt/præsentation</a:t>
             </a:r>
           </a:p>
           <a:p>
             <a:pPr lvl="1" fontAlgn="ctr"/>
             <a:r>
               <a:rPr lang="da-DK" dirty="0"/>
-              <a:t>Hvilke processer benyttes til rensning?</a:t>
+              <a:t>Giver valg af hovedledning mening (præsentation)?</a:t>
             </a:r>
           </a:p>
           <a:p>
             <a:pPr lvl="1" fontAlgn="ctr"/>
             <a:r>
               <a:rPr lang="da-DK" dirty="0"/>
-              <a:t>Hvilke stoffer giver problemer under rensning?</a:t>
+              <a:t>Kan hovedledning simplificeres som vist?</a:t>
             </a:r>
           </a:p>
           <a:p>
             <a:pPr lvl="1" fontAlgn="ctr"/>
             <a:r>
               <a:rPr lang="da-DK" dirty="0"/>
-              <a:t>Hvordan påvirker flow/koncentrat ændringer i rensningen?</a:t>
+              <a:t>Er projektet relevant i forhold til Fredericia?</a:t>
             </a:r>
           </a:p>
           <a:p>
             <a:pPr lvl="2" fontAlgn="ctr"/>
             <a:r>
               <a:rPr lang="da-DK" dirty="0"/>
-              <a:t>F.eks. Pludselig udledning fra industri</a:t>
+              <a:t>Flowstyring af input til rensningsanlæg og ikke regulering af kemiske forbindelser i ledningsnettet.</a:t>
             </a:r>
           </a:p>
           <a:p>
-            <a:pPr lvl="1" fontAlgn="ctr"/>
-            <a:r>
-              <a:rPr lang="da-DK" dirty="0"/>
-              <a:t>Kapacitet i rensnings anlægget(flow/koncentration)?</a:t>
-            </a:r>
-          </a:p>
-          <a:p>
-            <a:pPr lvl="1" fontAlgn="ctr"/>
-            <a:r>
-              <a:rPr lang="da-DK" dirty="0"/>
-              <a:t>Ideelt flow (mængde/koncentration)?</a:t>
-            </a:r>
-          </a:p>
-          <a:p>
-            <a:pPr lvl="1" fontAlgn="ctr"/>
-            <a:r>
-              <a:rPr lang="da-DK" dirty="0"/>
-              <a:t>Priotering i forhold til flow ind i rensningsanlæg(mængde/koncentration)?</a:t>
-            </a:r>
-          </a:p>
-          <a:p>
-            <a:pPr marL="457200" lvl="1" indent="0" fontAlgn="ctr">
-              <a:buNone/>
-            </a:pPr>
-            <a:endParaRPr lang="da-DK" dirty="0"/>
-          </a:p>
-          <a:p>
             <a:endParaRPr lang="en-US" dirty="0"/>
-          </a:p>
-        </p:txBody>
-      </p:sp>
-      <p:sp>
-        <p:nvSpPr>
-          <p:cNvPr id="2" name="Title 1">
-            <a:extLst>
-              <a:ext uri="{FF2B5EF4-FFF2-40B4-BE49-F238E27FC236}">
-                <a16:creationId xmlns:a16="http://schemas.microsoft.com/office/drawing/2014/main" id="{B993D76C-4153-4B29-A6D5-7527F17EFB14}"/>
-              </a:ext>
-            </a:extLst>
-          </p:cNvPr>
-          <p:cNvSpPr>
-            <a:spLocks noGrp="1"/>
-          </p:cNvSpPr>
-          <p:nvPr>
-            <p:ph type="title"/>
-          </p:nvPr>
-        </p:nvSpPr>
-        <p:spPr/>
-        <p:txBody>
-          <a:bodyPr>
-            <a:normAutofit/>
-          </a:bodyPr>
-          <a:lstStyle/>
-          <a:p>
-            <a:r>
-              <a:rPr lang="da-DK" sz="2000" dirty="0">
-                <a:solidFill>
-                  <a:schemeClr val="bg1"/>
-                </a:solidFill>
-              </a:rPr>
-              <a:t>    Sprørgsmål</a:t>
-            </a:r>
-            <a:endParaRPr lang="en-US" sz="2000" dirty="0"/>
           </a:p>
         </p:txBody>
       </p:sp>
     </p:spTree>
     <p:extLst>
       <p:ext uri="{BB962C8B-B14F-4D97-AF65-F5344CB8AC3E}">
-        <p14:creationId xmlns:p14="http://schemas.microsoft.com/office/powerpoint/2010/main" val="1991954278"/>
+        <p14:creationId xmlns:p14="http://schemas.microsoft.com/office/powerpoint/2010/main" val="1043751913"/>
       </p:ext>
     </p:extLst>
   </p:cSld>
@@ -6275,7 +6374,7 @@
           <p:cNvPr id="3" name="Subtitle 2">
             <a:extLst>
               <a:ext uri="{FF2B5EF4-FFF2-40B4-BE49-F238E27FC236}">
-                <a16:creationId xmlns:a16="http://schemas.microsoft.com/office/drawing/2014/main" id="{39D5BF07-8717-4218-AC8F-9254022031A4}"/>
+                <a16:creationId xmlns:a16="http://schemas.microsoft.com/office/drawing/2014/main" xmlns="" id="{509BA6FE-4B8C-4275-8961-6B5511996348}"/>
               </a:ext>
             </a:extLst>
           </p:cNvPr>
@@ -6289,50 +6388,70 @@
         <p:spPr/>
         <p:txBody>
           <a:bodyPr>
-            <a:normAutofit fontScale="70000" lnSpcReduction="20000"/>
+            <a:normAutofit fontScale="55000" lnSpcReduction="20000"/>
           </a:bodyPr>
           <a:lstStyle/>
           <a:p>
             <a:pPr fontAlgn="ctr"/>
             <a:r>
               <a:rPr lang="da-DK" dirty="0"/>
-              <a:t>Kloaknet</a:t>
+              <a:t>Rensningsanlæg</a:t>
             </a:r>
           </a:p>
           <a:p>
             <a:pPr lvl="1" fontAlgn="ctr"/>
             <a:r>
               <a:rPr lang="da-DK" dirty="0"/>
-              <a:t>Flow målinger i nettet?</a:t>
+              <a:t>Hvilke processer benyttes til rensning?</a:t>
             </a:r>
           </a:p>
           <a:p>
             <a:pPr lvl="1" fontAlgn="ctr"/>
             <a:r>
               <a:rPr lang="da-DK" dirty="0"/>
-              <a:t>Koncentrations målinger i nettet?</a:t>
+              <a:t>Hvilke stoffer giver problemer under rensning?</a:t>
             </a:r>
           </a:p>
           <a:p>
             <a:pPr lvl="1" fontAlgn="ctr"/>
             <a:r>
               <a:rPr lang="da-DK" dirty="0"/>
-              <a:t>Findes der nogle bassiner i nettet lige nu i valgte hovedledning?</a:t>
+              <a:t>Hvordan påvirker flow/koncentrat ændringer i rensningen?</a:t>
+            </a:r>
+          </a:p>
+          <a:p>
+            <a:pPr lvl="2" fontAlgn="ctr"/>
+            <a:r>
+              <a:rPr lang="da-DK" dirty="0"/>
+              <a:t>F.eks. Pludselig udledning fra industri</a:t>
             </a:r>
           </a:p>
           <a:p>
             <a:pPr lvl="1" fontAlgn="ctr"/>
             <a:r>
               <a:rPr lang="da-DK" dirty="0"/>
-              <a:t>Grundvands indtrængning (mængder?)</a:t>
+              <a:t>Kapacitet i rensnings anlægget(flow/koncentration)?</a:t>
             </a:r>
           </a:p>
           <a:p>
             <a:pPr lvl="1" fontAlgn="ctr"/>
             <a:r>
               <a:rPr lang="da-DK" dirty="0"/>
-              <a:t>Er det en pumpe station, på hjørnet af Holstensvej og Strandvejen? </a:t>
+              <a:t>Ideelt flow (mængde/koncentration)?</a:t>
             </a:r>
+          </a:p>
+          <a:p>
+            <a:pPr lvl="1" fontAlgn="ctr"/>
+            <a:r>
+              <a:rPr lang="da-DK" dirty="0"/>
+              <a:t>Priotering i forhold til flow ind i rensningsanlæg(mængde/koncentration)?</a:t>
+            </a:r>
+          </a:p>
+          <a:p>
+            <a:pPr marL="457200" lvl="1" indent="0" fontAlgn="ctr">
+              <a:buNone/>
+            </a:pPr>
+            <a:endParaRPr lang="da-DK" dirty="0"/>
           </a:p>
           <a:p>
             <a:endParaRPr lang="en-US" dirty="0"/>
@@ -6344,7 +6463,7 @@
           <p:cNvPr id="2" name="Title 1">
             <a:extLst>
               <a:ext uri="{FF2B5EF4-FFF2-40B4-BE49-F238E27FC236}">
-                <a16:creationId xmlns:a16="http://schemas.microsoft.com/office/drawing/2014/main" id="{E19A9079-10BE-4933-98D6-27D94B9B01A6}"/>
+                <a16:creationId xmlns:a16="http://schemas.microsoft.com/office/drawing/2014/main" xmlns="" id="{B993D76C-4153-4B29-A6D5-7527F17EFB14}"/>
               </a:ext>
             </a:extLst>
           </p:cNvPr>
@@ -6377,7 +6496,7 @@
     </p:spTree>
     <p:extLst>
       <p:ext uri="{BB962C8B-B14F-4D97-AF65-F5344CB8AC3E}">
-        <p14:creationId xmlns:p14="http://schemas.microsoft.com/office/powerpoint/2010/main" val="2822511618"/>
+        <p14:creationId xmlns:p14="http://schemas.microsoft.com/office/powerpoint/2010/main" val="1991954278"/>
       </p:ext>
     </p:extLst>
   </p:cSld>

--- a/Fredericia/presentation/presentation2.pptx
+++ b/Fredericia/presentation/presentation2.pptx
@@ -4890,7 +4890,7 @@
           <p:cNvPr id="3" name="Subtitle 2">
             <a:extLst>
               <a:ext uri="{FF2B5EF4-FFF2-40B4-BE49-F238E27FC236}">
-                <a16:creationId xmlns:a16="http://schemas.microsoft.com/office/drawing/2014/main" xmlns="" id="{39D5BF07-8717-4218-AC8F-9254022031A4}"/>
+                <a16:creationId xmlns="" xmlns:a16="http://schemas.microsoft.com/office/drawing/2014/main" id="{39D5BF07-8717-4218-AC8F-9254022031A4}"/>
               </a:ext>
             </a:extLst>
           </p:cNvPr>
@@ -4959,7 +4959,7 @@
           <p:cNvPr id="2" name="Title 1">
             <a:extLst>
               <a:ext uri="{FF2B5EF4-FFF2-40B4-BE49-F238E27FC236}">
-                <a16:creationId xmlns:a16="http://schemas.microsoft.com/office/drawing/2014/main" xmlns="" id="{E19A9079-10BE-4933-98D6-27D94B9B01A6}"/>
+                <a16:creationId xmlns="" xmlns:a16="http://schemas.microsoft.com/office/drawing/2014/main" id="{E19A9079-10BE-4933-98D6-27D94B9B01A6}"/>
               </a:ext>
             </a:extLst>
           </p:cNvPr>
@@ -5512,7 +5512,9 @@
         </p:nvSpPr>
         <p:spPr/>
         <p:txBody>
-          <a:bodyPr/>
+          <a:bodyPr>
+            <a:normAutofit fontScale="62500" lnSpcReduction="20000"/>
+          </a:bodyPr>
           <a:lstStyle/>
           <a:p>
             <a:endParaRPr lang="da-DK" dirty="0" smtClean="0"/>
@@ -5592,7 +5594,7 @@
           <p:cNvPr id="3" name="Subtitle 2">
             <a:extLst>
               <a:ext uri="{FF2B5EF4-FFF2-40B4-BE49-F238E27FC236}">
-                <a16:creationId xmlns:a16="http://schemas.microsoft.com/office/drawing/2014/main" xmlns="" id="{3F0E895C-9F6C-4086-B15D-2550797225CA}"/>
+                <a16:creationId xmlns="" xmlns:a16="http://schemas.microsoft.com/office/drawing/2014/main" id="{3F0E895C-9F6C-4086-B15D-2550797225CA}"/>
               </a:ext>
             </a:extLst>
           </p:cNvPr>
@@ -5682,7 +5684,7 @@
           <p:cNvPr id="2" name="Title 1">
             <a:extLst>
               <a:ext uri="{FF2B5EF4-FFF2-40B4-BE49-F238E27FC236}">
-                <a16:creationId xmlns:a16="http://schemas.microsoft.com/office/drawing/2014/main" xmlns="" id="{7274B48B-373C-4332-9B0F-66D00321AC95}"/>
+                <a16:creationId xmlns="" xmlns:a16="http://schemas.microsoft.com/office/drawing/2014/main" id="{7274B48B-373C-4332-9B0F-66D00321AC95}"/>
               </a:ext>
             </a:extLst>
           </p:cNvPr>
@@ -5719,7 +5721,7 @@
           <p:cNvPr id="7" name="Picture 6">
             <a:extLst>
               <a:ext uri="{FF2B5EF4-FFF2-40B4-BE49-F238E27FC236}">
-                <a16:creationId xmlns:a16="http://schemas.microsoft.com/office/drawing/2014/main" xmlns="" id="{2DAF6613-23CC-4BE5-A32A-7DE147EDE97E}"/>
+                <a16:creationId xmlns="" xmlns:a16="http://schemas.microsoft.com/office/drawing/2014/main" id="{2DAF6613-23CC-4BE5-A32A-7DE147EDE97E}"/>
               </a:ext>
             </a:extLst>
           </p:cNvPr>
@@ -5755,7 +5757,7 @@
           <p:cNvPr id="11" name="Picture 10">
             <a:extLst>
               <a:ext uri="{FF2B5EF4-FFF2-40B4-BE49-F238E27FC236}">
-                <a16:creationId xmlns:a16="http://schemas.microsoft.com/office/drawing/2014/main" xmlns="" id="{DD2DEAC5-B8E2-43EE-8736-54457CF80FD8}"/>
+                <a16:creationId xmlns="" xmlns:a16="http://schemas.microsoft.com/office/drawing/2014/main" id="{DD2DEAC5-B8E2-43EE-8736-54457CF80FD8}"/>
               </a:ext>
             </a:extLst>
           </p:cNvPr>
@@ -5821,7 +5823,7 @@
           <p:cNvPr id="2" name="Title 1">
             <a:extLst>
               <a:ext uri="{FF2B5EF4-FFF2-40B4-BE49-F238E27FC236}">
-                <a16:creationId xmlns:a16="http://schemas.microsoft.com/office/drawing/2014/main" xmlns="" id="{2153FAD0-F6CD-45B9-AF46-5C6569B70C39}"/>
+                <a16:creationId xmlns="" xmlns:a16="http://schemas.microsoft.com/office/drawing/2014/main" id="{2153FAD0-F6CD-45B9-AF46-5C6569B70C39}"/>
               </a:ext>
             </a:extLst>
           </p:cNvPr>
@@ -5858,7 +5860,7 @@
           <p:cNvPr id="3" name="Subtitle 2">
             <a:extLst>
               <a:ext uri="{FF2B5EF4-FFF2-40B4-BE49-F238E27FC236}">
-                <a16:creationId xmlns:a16="http://schemas.microsoft.com/office/drawing/2014/main" xmlns="" id="{DA540DE6-7610-4E1F-98B1-37B75DF1286A}"/>
+                <a16:creationId xmlns="" xmlns:a16="http://schemas.microsoft.com/office/drawing/2014/main" id="{DA540DE6-7610-4E1F-98B1-37B75DF1286A}"/>
               </a:ext>
             </a:extLst>
           </p:cNvPr>
@@ -5883,7 +5885,7 @@
           <p:cNvPr id="5" name="Picture 4">
             <a:extLst>
               <a:ext uri="{FF2B5EF4-FFF2-40B4-BE49-F238E27FC236}">
-                <a16:creationId xmlns:a16="http://schemas.microsoft.com/office/drawing/2014/main" xmlns="" id="{06304EAD-ED49-4CB8-9D85-0EB394BA1964}"/>
+                <a16:creationId xmlns="" xmlns:a16="http://schemas.microsoft.com/office/drawing/2014/main" id="{06304EAD-ED49-4CB8-9D85-0EB394BA1964}"/>
               </a:ext>
             </a:extLst>
           </p:cNvPr>
@@ -5957,7 +5959,7 @@
           <p:cNvPr id="12" name="Rectangle 11">
             <a:extLst>
               <a:ext uri="{FF2B5EF4-FFF2-40B4-BE49-F238E27FC236}">
-                <a16:creationId xmlns:a16="http://schemas.microsoft.com/office/drawing/2014/main" xmlns="" id="{48DC5E34-8E8F-4A88-A46D-2753E2123B4D}"/>
+                <a16:creationId xmlns="" xmlns:a16="http://schemas.microsoft.com/office/drawing/2014/main" id="{48DC5E34-8E8F-4A88-A46D-2753E2123B4D}"/>
               </a:ext>
             </a:extLst>
           </p:cNvPr>
@@ -6011,7 +6013,7 @@
           <p:cNvPr id="5" name="Picture 4">
             <a:extLst>
               <a:ext uri="{FF2B5EF4-FFF2-40B4-BE49-F238E27FC236}">
-                <a16:creationId xmlns:a16="http://schemas.microsoft.com/office/drawing/2014/main" xmlns="" id="{C46B8726-45A3-4C15-B455-6B6660EE030D}"/>
+                <a16:creationId xmlns="" xmlns:a16="http://schemas.microsoft.com/office/drawing/2014/main" id="{C46B8726-45A3-4C15-B455-6B6660EE030D}"/>
               </a:ext>
             </a:extLst>
           </p:cNvPr>
@@ -6077,7 +6079,7 @@
           <p:cNvPr id="2" name="Title 1">
             <a:extLst>
               <a:ext uri="{FF2B5EF4-FFF2-40B4-BE49-F238E27FC236}">
-                <a16:creationId xmlns:a16="http://schemas.microsoft.com/office/drawing/2014/main" xmlns="" id="{5F8902FD-69D0-42A1-BE63-48ED560B3BDA}"/>
+                <a16:creationId xmlns="" xmlns:a16="http://schemas.microsoft.com/office/drawing/2014/main" id="{5F8902FD-69D0-42A1-BE63-48ED560B3BDA}"/>
               </a:ext>
             </a:extLst>
           </p:cNvPr>
@@ -6116,7 +6118,7 @@
           <p:cNvPr id="3" name="Subtitle 2">
             <a:extLst>
               <a:ext uri="{FF2B5EF4-FFF2-40B4-BE49-F238E27FC236}">
-                <a16:creationId xmlns:a16="http://schemas.microsoft.com/office/drawing/2014/main" xmlns="" id="{D5888F27-B7F2-49DA-A67B-882936BDC0D6}"/>
+                <a16:creationId xmlns="" xmlns:a16="http://schemas.microsoft.com/office/drawing/2014/main" id="{D5888F27-B7F2-49DA-A67B-882936BDC0D6}"/>
               </a:ext>
             </a:extLst>
           </p:cNvPr>
@@ -6141,7 +6143,7 @@
           <p:cNvPr id="5" name="Picture 4">
             <a:extLst>
               <a:ext uri="{FF2B5EF4-FFF2-40B4-BE49-F238E27FC236}">
-                <a16:creationId xmlns:a16="http://schemas.microsoft.com/office/drawing/2014/main" xmlns="" id="{AB523A48-1674-43B8-8AF1-F581F20AB5BD}"/>
+                <a16:creationId xmlns="" xmlns:a16="http://schemas.microsoft.com/office/drawing/2014/main" id="{AB523A48-1674-43B8-8AF1-F581F20AB5BD}"/>
               </a:ext>
             </a:extLst>
           </p:cNvPr>
@@ -6177,7 +6179,7 @@
           <p:cNvPr id="6" name="Picture 5">
             <a:extLst>
               <a:ext uri="{FF2B5EF4-FFF2-40B4-BE49-F238E27FC236}">
-                <a16:creationId xmlns:a16="http://schemas.microsoft.com/office/drawing/2014/main" xmlns="" id="{369F1B4B-2381-4882-BA46-057C173CCEA4}"/>
+                <a16:creationId xmlns="" xmlns:a16="http://schemas.microsoft.com/office/drawing/2014/main" id="{369F1B4B-2381-4882-BA46-057C173CCEA4}"/>
               </a:ext>
             </a:extLst>
           </p:cNvPr>
@@ -6243,7 +6245,7 @@
           <p:cNvPr id="2" name="Title 1">
             <a:extLst>
               <a:ext uri="{FF2B5EF4-FFF2-40B4-BE49-F238E27FC236}">
-                <a16:creationId xmlns:a16="http://schemas.microsoft.com/office/drawing/2014/main" xmlns="" id="{467D8F15-166C-4E7B-92EC-9CEC49B78715}"/>
+                <a16:creationId xmlns="" xmlns:a16="http://schemas.microsoft.com/office/drawing/2014/main" id="{467D8F15-166C-4E7B-92EC-9CEC49B78715}"/>
               </a:ext>
             </a:extLst>
           </p:cNvPr>
@@ -6282,7 +6284,7 @@
           <p:cNvPr id="3" name="Subtitle 2">
             <a:extLst>
               <a:ext uri="{FF2B5EF4-FFF2-40B4-BE49-F238E27FC236}">
-                <a16:creationId xmlns:a16="http://schemas.microsoft.com/office/drawing/2014/main" xmlns="" id="{4248E21A-F719-49C1-AD8D-36A53113C344}"/>
+                <a16:creationId xmlns="" xmlns:a16="http://schemas.microsoft.com/office/drawing/2014/main" id="{4248E21A-F719-49C1-AD8D-36A53113C344}"/>
               </a:ext>
             </a:extLst>
           </p:cNvPr>
@@ -6296,7 +6298,7 @@
         <p:spPr/>
         <p:txBody>
           <a:bodyPr>
-            <a:normAutofit/>
+            <a:normAutofit fontScale="85000" lnSpcReduction="20000"/>
           </a:bodyPr>
           <a:lstStyle/>
           <a:p>
@@ -6371,10 +6373,45 @@
       </p:grpSpPr>
       <p:sp>
         <p:nvSpPr>
+          <p:cNvPr id="2" name="Title 1">
+            <a:extLst>
+              <a:ext uri="{FF2B5EF4-FFF2-40B4-BE49-F238E27FC236}">
+                <a16:creationId xmlns="" xmlns:a16="http://schemas.microsoft.com/office/drawing/2014/main" id="{B993D76C-4153-4B29-A6D5-7527F17EFB14}"/>
+              </a:ext>
+            </a:extLst>
+          </p:cNvPr>
+          <p:cNvSpPr>
+            <a:spLocks noGrp="1"/>
+          </p:cNvSpPr>
+          <p:nvPr>
+            <p:ph type="title"/>
+          </p:nvPr>
+        </p:nvSpPr>
+        <p:spPr/>
+        <p:txBody>
+          <a:bodyPr>
+            <a:normAutofit/>
+          </a:bodyPr>
+          <a:lstStyle/>
+          <a:p>
+            <a:r>
+              <a:rPr lang="da-DK" sz="2000" dirty="0">
+                <a:solidFill>
+                  <a:schemeClr val="bg1"/>
+                </a:solidFill>
+              </a:rPr>
+              <a:t>    Sprørgsmål</a:t>
+            </a:r>
+            <a:endParaRPr lang="en-US" sz="2000" dirty="0"/>
+          </a:p>
+        </p:txBody>
+      </p:sp>
+      <p:sp>
+        <p:nvSpPr>
           <p:cNvPr id="3" name="Subtitle 2">
             <a:extLst>
               <a:ext uri="{FF2B5EF4-FFF2-40B4-BE49-F238E27FC236}">
-                <a16:creationId xmlns:a16="http://schemas.microsoft.com/office/drawing/2014/main" xmlns="" id="{509BA6FE-4B8C-4275-8961-6B5511996348}"/>
+                <a16:creationId xmlns="" xmlns:a16="http://schemas.microsoft.com/office/drawing/2014/main" id="{509BA6FE-4B8C-4275-8961-6B5511996348}"/>
               </a:ext>
             </a:extLst>
           </p:cNvPr>
@@ -6388,7 +6425,7 @@
         <p:spPr/>
         <p:txBody>
           <a:bodyPr>
-            <a:normAutofit fontScale="55000" lnSpcReduction="20000"/>
+            <a:normAutofit/>
           </a:bodyPr>
           <a:lstStyle/>
           <a:p>
@@ -6455,41 +6492,6 @@
           </a:p>
           <a:p>
             <a:endParaRPr lang="en-US" dirty="0"/>
-          </a:p>
-        </p:txBody>
-      </p:sp>
-      <p:sp>
-        <p:nvSpPr>
-          <p:cNvPr id="2" name="Title 1">
-            <a:extLst>
-              <a:ext uri="{FF2B5EF4-FFF2-40B4-BE49-F238E27FC236}">
-                <a16:creationId xmlns:a16="http://schemas.microsoft.com/office/drawing/2014/main" xmlns="" id="{B993D76C-4153-4B29-A6D5-7527F17EFB14}"/>
-              </a:ext>
-            </a:extLst>
-          </p:cNvPr>
-          <p:cNvSpPr>
-            <a:spLocks noGrp="1"/>
-          </p:cNvSpPr>
-          <p:nvPr>
-            <p:ph type="title"/>
-          </p:nvPr>
-        </p:nvSpPr>
-        <p:spPr/>
-        <p:txBody>
-          <a:bodyPr>
-            <a:normAutofit/>
-          </a:bodyPr>
-          <a:lstStyle/>
-          <a:p>
-            <a:r>
-              <a:rPr lang="da-DK" sz="2000" dirty="0">
-                <a:solidFill>
-                  <a:schemeClr val="bg1"/>
-                </a:solidFill>
-              </a:rPr>
-              <a:t>    Sprørgsmål</a:t>
-            </a:r>
-            <a:endParaRPr lang="en-US" sz="2000" dirty="0"/>
           </a:p>
         </p:txBody>
       </p:sp>

--- a/Fredericia/presentation/presentation2.pptx
+++ b/Fredericia/presentation/presentation2.pptx
@@ -4890,7 +4890,7 @@
           <p:cNvPr id="3" name="Subtitle 2">
             <a:extLst>
               <a:ext uri="{FF2B5EF4-FFF2-40B4-BE49-F238E27FC236}">
-                <a16:creationId xmlns="" xmlns:a16="http://schemas.microsoft.com/office/drawing/2014/main" id="{39D5BF07-8717-4218-AC8F-9254022031A4}"/>
+                <a16:creationId xmlns:a16="http://schemas.microsoft.com/office/drawing/2014/main" id="{39D5BF07-8717-4218-AC8F-9254022031A4}"/>
               </a:ext>
             </a:extLst>
           </p:cNvPr>
@@ -4959,7 +4959,7 @@
           <p:cNvPr id="2" name="Title 1">
             <a:extLst>
               <a:ext uri="{FF2B5EF4-FFF2-40B4-BE49-F238E27FC236}">
-                <a16:creationId xmlns="" xmlns:a16="http://schemas.microsoft.com/office/drawing/2014/main" id="{E19A9079-10BE-4933-98D6-27D94B9B01A6}"/>
+                <a16:creationId xmlns:a16="http://schemas.microsoft.com/office/drawing/2014/main" id="{E19A9079-10BE-4933-98D6-27D94B9B01A6}"/>
               </a:ext>
             </a:extLst>
           </p:cNvPr>
@@ -5027,7 +5027,7 @@
         </p:nvSpPr>
         <p:spPr>
           <a:xfrm>
-            <a:off x="457200" y="1600200"/>
+            <a:off x="457200" y="1618861"/>
             <a:ext cx="8229240" cy="4075200"/>
           </a:xfrm>
           <a:prstGeom prst="rect">
@@ -5107,7 +5107,20 @@
               <a:buFont typeface="Arial"/>
               <a:buChar char="•"/>
             </a:pPr>
-            <a:endParaRPr lang="da-DK" sz="1500" b="1" strike="noStrike" spc="-1" dirty="0">
+            <a:r>
+              <a:rPr lang="da-DK" sz="2000" b="1" spc="-1" dirty="0">
+                <a:solidFill>
+                  <a:srgbClr val="211A52"/>
+                </a:solidFill>
+                <a:uFill>
+                  <a:solidFill>
+                    <a:srgbClr val="FFFFFF"/>
+                  </a:solidFill>
+                </a:uFill>
+              </a:rPr>
+              <a:t>Hvem er vi?</a:t>
+            </a:r>
+            <a:endParaRPr lang="da-DK" sz="2000" b="1" strike="noStrike" spc="-1" dirty="0">
               <a:solidFill>
                 <a:srgbClr val="211A52"/>
               </a:solidFill>
@@ -5134,7 +5147,7 @@
               <a:buChar char="•"/>
             </a:pPr>
             <a:r>
-              <a:rPr lang="da-DK" sz="1500" b="1" strike="noStrike" spc="-1" dirty="0">
+              <a:rPr lang="da-DK" sz="2000" b="1" strike="noStrike" spc="-1" dirty="0">
                 <a:solidFill>
                   <a:srgbClr val="211A52"/>
                 </a:solidFill>
@@ -5147,7 +5160,7 @@
               </a:rPr>
               <a:t>Introduktion</a:t>
             </a:r>
-            <a:endParaRPr lang="da-DK" sz="1500" b="0" strike="noStrike" spc="-1" dirty="0">
+            <a:endParaRPr lang="da-DK" sz="2000" b="0" strike="noStrike" spc="-1" dirty="0">
               <a:solidFill>
                 <a:srgbClr val="211A52"/>
               </a:solidFill>
@@ -5174,7 +5187,7 @@
               <a:buChar char="•"/>
             </a:pPr>
             <a:r>
-              <a:rPr lang="da-DK" sz="1350" spc="-1" dirty="0">
+              <a:rPr lang="da-DK" spc="-1" dirty="0">
                 <a:solidFill>
                   <a:srgbClr val="211A52"/>
                 </a:solidFill>
@@ -5200,7 +5213,7 @@
               <a:buChar char="•"/>
             </a:pPr>
             <a:r>
-              <a:rPr lang="da-DK" sz="1350" b="0" strike="noStrike" spc="-1" dirty="0">
+              <a:rPr lang="da-DK" b="0" strike="noStrike" spc="-1" dirty="0">
                 <a:solidFill>
                   <a:srgbClr val="211A52"/>
                 </a:solidFill>
@@ -5226,7 +5239,7 @@
               <a:buChar char="•"/>
             </a:pPr>
             <a:r>
-              <a:rPr lang="da-DK" sz="1350" spc="-1" dirty="0">
+              <a:rPr lang="da-DK" spc="-1" dirty="0">
                 <a:solidFill>
                   <a:srgbClr val="211A52"/>
                 </a:solidFill>
@@ -5239,7 +5252,7 @@
               </a:rPr>
               <a:t>Koncentrat</a:t>
             </a:r>
-            <a:endParaRPr lang="da-DK" sz="1350" b="0" strike="noStrike" spc="-1" dirty="0">
+            <a:endParaRPr lang="da-DK" b="0" strike="noStrike" spc="-1" dirty="0">
               <a:solidFill>
                 <a:srgbClr val="211A52"/>
               </a:solidFill>
@@ -5266,7 +5279,7 @@
               <a:buChar char="•"/>
             </a:pPr>
             <a:r>
-              <a:rPr lang="da-DK" sz="1350" b="0" strike="noStrike" spc="-1" dirty="0">
+              <a:rPr lang="da-DK" b="0" strike="noStrike" spc="-1" dirty="0">
                 <a:solidFill>
                   <a:srgbClr val="211A52"/>
                 </a:solidFill>
@@ -5295,7 +5308,7 @@
               <a:buChar char="•"/>
             </a:pPr>
             <a:r>
-              <a:rPr lang="da-DK" sz="1350" spc="-1" dirty="0">
+              <a:rPr lang="da-DK" spc="-1" dirty="0">
                 <a:solidFill>
                   <a:srgbClr val="211A52"/>
                 </a:solidFill>
@@ -5321,7 +5334,7 @@
               <a:buChar char="•"/>
             </a:pPr>
             <a:r>
-              <a:rPr lang="da-DK" sz="1350" b="0" strike="noStrike" spc="-1" dirty="0">
+              <a:rPr lang="da-DK" sz="2000" b="1" strike="noStrike" spc="-1" dirty="0">
                 <a:solidFill>
                   <a:srgbClr val="211A52"/>
                 </a:solidFill>
@@ -5471,6 +5484,65 @@
       </p:grpSpPr>
       <p:sp>
         <p:nvSpPr>
+          <p:cNvPr id="3" name="Undertitel 2"/>
+          <p:cNvSpPr>
+            <a:spLocks noGrp="1"/>
+          </p:cNvSpPr>
+          <p:nvPr>
+            <p:ph type="subTitle"/>
+          </p:nvPr>
+        </p:nvSpPr>
+        <p:spPr/>
+        <p:txBody>
+          <a:bodyPr>
+            <a:normAutofit/>
+          </a:bodyPr>
+          <a:lstStyle/>
+          <a:p>
+            <a:endParaRPr lang="da-DK" dirty="0"/>
+          </a:p>
+          <a:p>
+            <a:r>
+              <a:rPr lang="da-DK" dirty="0"/>
+              <a:t>Kontrol og Automation </a:t>
+            </a:r>
+          </a:p>
+          <a:p>
+            <a:pPr lvl="1"/>
+            <a:r>
+              <a:rPr lang="da-DK" dirty="0"/>
+              <a:t>Modellering</a:t>
+            </a:r>
+          </a:p>
+          <a:p>
+            <a:pPr lvl="2"/>
+            <a:r>
+              <a:rPr lang="da-DK" dirty="0"/>
+              <a:t>System identifikation</a:t>
+            </a:r>
+          </a:p>
+          <a:p>
+            <a:pPr lvl="1"/>
+            <a:r>
+              <a:rPr lang="da-DK" dirty="0"/>
+              <a:t>Regulering</a:t>
+            </a:r>
+          </a:p>
+          <a:p>
+            <a:pPr lvl="2"/>
+            <a:r>
+              <a:rPr lang="da-DK" dirty="0"/>
+              <a:t>Temperatur, flow, position</a:t>
+            </a:r>
+          </a:p>
+          <a:p>
+            <a:pPr lvl="1"/>
+            <a:endParaRPr lang="en-US" dirty="0"/>
+          </a:p>
+        </p:txBody>
+      </p:sp>
+      <p:sp>
+        <p:nvSpPr>
           <p:cNvPr id="2" name="Titel 1"/>
           <p:cNvSpPr>
             <a:spLocks noGrp="1"/>
@@ -5485,7 +5557,7 @@
           <a:lstStyle/>
           <a:p>
             <a:r>
-              <a:rPr lang="da-DK" dirty="0" smtClean="0">
+              <a:rPr lang="da-DK" dirty="0">
                 <a:solidFill>
                   <a:schemeClr val="bg1"/>
                 </a:solidFill>
@@ -5497,65 +5569,6 @@
                 <a:schemeClr val="bg1"/>
               </a:solidFill>
             </a:endParaRPr>
-          </a:p>
-        </p:txBody>
-      </p:sp>
-      <p:sp>
-        <p:nvSpPr>
-          <p:cNvPr id="3" name="Undertitel 2"/>
-          <p:cNvSpPr>
-            <a:spLocks noGrp="1"/>
-          </p:cNvSpPr>
-          <p:nvPr>
-            <p:ph type="subTitle"/>
-          </p:nvPr>
-        </p:nvSpPr>
-        <p:spPr/>
-        <p:txBody>
-          <a:bodyPr>
-            <a:normAutofit fontScale="62500" lnSpcReduction="20000"/>
-          </a:bodyPr>
-          <a:lstStyle/>
-          <a:p>
-            <a:endParaRPr lang="da-DK" dirty="0" smtClean="0"/>
-          </a:p>
-          <a:p>
-            <a:r>
-              <a:rPr lang="da-DK" dirty="0" smtClean="0"/>
-              <a:t>Kontrol og Automation </a:t>
-            </a:r>
-          </a:p>
-          <a:p>
-            <a:pPr lvl="1"/>
-            <a:r>
-              <a:rPr lang="da-DK" dirty="0" smtClean="0"/>
-              <a:t>Modellering</a:t>
-            </a:r>
-          </a:p>
-          <a:p>
-            <a:pPr lvl="2"/>
-            <a:r>
-              <a:rPr lang="da-DK" dirty="0" smtClean="0"/>
-              <a:t>System identifikation</a:t>
-            </a:r>
-          </a:p>
-          <a:p>
-            <a:pPr lvl="1"/>
-            <a:r>
-              <a:rPr lang="da-DK" dirty="0" smtClean="0"/>
-              <a:t>Regulering</a:t>
-            </a:r>
-          </a:p>
-          <a:p>
-            <a:pPr lvl="2"/>
-            <a:r>
-              <a:rPr lang="da-DK" dirty="0" smtClean="0"/>
-              <a:t>Temperatur, flow, position</a:t>
-            </a:r>
-          </a:p>
-          <a:p>
-            <a:pPr lvl="1"/>
-            <a:endParaRPr lang="en-US" dirty="0"/>
           </a:p>
         </p:txBody>
       </p:sp>
@@ -5594,7 +5607,7 @@
           <p:cNvPr id="3" name="Subtitle 2">
             <a:extLst>
               <a:ext uri="{FF2B5EF4-FFF2-40B4-BE49-F238E27FC236}">
-                <a16:creationId xmlns="" xmlns:a16="http://schemas.microsoft.com/office/drawing/2014/main" id="{3F0E895C-9F6C-4086-B15D-2550797225CA}"/>
+                <a16:creationId xmlns:a16="http://schemas.microsoft.com/office/drawing/2014/main" id="{3F0E895C-9F6C-4086-B15D-2550797225CA}"/>
               </a:ext>
             </a:extLst>
           </p:cNvPr>
@@ -5684,7 +5697,7 @@
           <p:cNvPr id="2" name="Title 1">
             <a:extLst>
               <a:ext uri="{FF2B5EF4-FFF2-40B4-BE49-F238E27FC236}">
-                <a16:creationId xmlns="" xmlns:a16="http://schemas.microsoft.com/office/drawing/2014/main" id="{7274B48B-373C-4332-9B0F-66D00321AC95}"/>
+                <a16:creationId xmlns:a16="http://schemas.microsoft.com/office/drawing/2014/main" id="{7274B48B-373C-4332-9B0F-66D00321AC95}"/>
               </a:ext>
             </a:extLst>
           </p:cNvPr>
@@ -5721,7 +5734,7 @@
           <p:cNvPr id="7" name="Picture 6">
             <a:extLst>
               <a:ext uri="{FF2B5EF4-FFF2-40B4-BE49-F238E27FC236}">
-                <a16:creationId xmlns="" xmlns:a16="http://schemas.microsoft.com/office/drawing/2014/main" id="{2DAF6613-23CC-4BE5-A32A-7DE147EDE97E}"/>
+                <a16:creationId xmlns:a16="http://schemas.microsoft.com/office/drawing/2014/main" id="{2DAF6613-23CC-4BE5-A32A-7DE147EDE97E}"/>
               </a:ext>
             </a:extLst>
           </p:cNvPr>
@@ -5757,7 +5770,7 @@
           <p:cNvPr id="11" name="Picture 10">
             <a:extLst>
               <a:ext uri="{FF2B5EF4-FFF2-40B4-BE49-F238E27FC236}">
-                <a16:creationId xmlns="" xmlns:a16="http://schemas.microsoft.com/office/drawing/2014/main" id="{DD2DEAC5-B8E2-43EE-8736-54457CF80FD8}"/>
+                <a16:creationId xmlns:a16="http://schemas.microsoft.com/office/drawing/2014/main" id="{DD2DEAC5-B8E2-43EE-8736-54457CF80FD8}"/>
               </a:ext>
             </a:extLst>
           </p:cNvPr>
@@ -5823,7 +5836,7 @@
           <p:cNvPr id="2" name="Title 1">
             <a:extLst>
               <a:ext uri="{FF2B5EF4-FFF2-40B4-BE49-F238E27FC236}">
-                <a16:creationId xmlns="" xmlns:a16="http://schemas.microsoft.com/office/drawing/2014/main" id="{2153FAD0-F6CD-45B9-AF46-5C6569B70C39}"/>
+                <a16:creationId xmlns:a16="http://schemas.microsoft.com/office/drawing/2014/main" id="{2153FAD0-F6CD-45B9-AF46-5C6569B70C39}"/>
               </a:ext>
             </a:extLst>
           </p:cNvPr>
@@ -5860,7 +5873,7 @@
           <p:cNvPr id="3" name="Subtitle 2">
             <a:extLst>
               <a:ext uri="{FF2B5EF4-FFF2-40B4-BE49-F238E27FC236}">
-                <a16:creationId xmlns="" xmlns:a16="http://schemas.microsoft.com/office/drawing/2014/main" id="{DA540DE6-7610-4E1F-98B1-37B75DF1286A}"/>
+                <a16:creationId xmlns:a16="http://schemas.microsoft.com/office/drawing/2014/main" id="{DA540DE6-7610-4E1F-98B1-37B75DF1286A}"/>
               </a:ext>
             </a:extLst>
           </p:cNvPr>
@@ -5885,7 +5898,7 @@
           <p:cNvPr id="5" name="Picture 4">
             <a:extLst>
               <a:ext uri="{FF2B5EF4-FFF2-40B4-BE49-F238E27FC236}">
-                <a16:creationId xmlns="" xmlns:a16="http://schemas.microsoft.com/office/drawing/2014/main" id="{06304EAD-ED49-4CB8-9D85-0EB394BA1964}"/>
+                <a16:creationId xmlns:a16="http://schemas.microsoft.com/office/drawing/2014/main" id="{06304EAD-ED49-4CB8-9D85-0EB394BA1964}"/>
               </a:ext>
             </a:extLst>
           </p:cNvPr>
@@ -5959,7 +5972,7 @@
           <p:cNvPr id="12" name="Rectangle 11">
             <a:extLst>
               <a:ext uri="{FF2B5EF4-FFF2-40B4-BE49-F238E27FC236}">
-                <a16:creationId xmlns="" xmlns:a16="http://schemas.microsoft.com/office/drawing/2014/main" id="{48DC5E34-8E8F-4A88-A46D-2753E2123B4D}"/>
+                <a16:creationId xmlns:a16="http://schemas.microsoft.com/office/drawing/2014/main" id="{48DC5E34-8E8F-4A88-A46D-2753E2123B4D}"/>
               </a:ext>
             </a:extLst>
           </p:cNvPr>
@@ -6013,7 +6026,7 @@
           <p:cNvPr id="5" name="Picture 4">
             <a:extLst>
               <a:ext uri="{FF2B5EF4-FFF2-40B4-BE49-F238E27FC236}">
-                <a16:creationId xmlns="" xmlns:a16="http://schemas.microsoft.com/office/drawing/2014/main" id="{C46B8726-45A3-4C15-B455-6B6660EE030D}"/>
+                <a16:creationId xmlns:a16="http://schemas.microsoft.com/office/drawing/2014/main" id="{C46B8726-45A3-4C15-B455-6B6660EE030D}"/>
               </a:ext>
             </a:extLst>
           </p:cNvPr>
@@ -6079,7 +6092,7 @@
           <p:cNvPr id="2" name="Title 1">
             <a:extLst>
               <a:ext uri="{FF2B5EF4-FFF2-40B4-BE49-F238E27FC236}">
-                <a16:creationId xmlns="" xmlns:a16="http://schemas.microsoft.com/office/drawing/2014/main" id="{5F8902FD-69D0-42A1-BE63-48ED560B3BDA}"/>
+                <a16:creationId xmlns:a16="http://schemas.microsoft.com/office/drawing/2014/main" id="{5F8902FD-69D0-42A1-BE63-48ED560B3BDA}"/>
               </a:ext>
             </a:extLst>
           </p:cNvPr>
@@ -6118,7 +6131,7 @@
           <p:cNvPr id="3" name="Subtitle 2">
             <a:extLst>
               <a:ext uri="{FF2B5EF4-FFF2-40B4-BE49-F238E27FC236}">
-                <a16:creationId xmlns="" xmlns:a16="http://schemas.microsoft.com/office/drawing/2014/main" id="{D5888F27-B7F2-49DA-A67B-882936BDC0D6}"/>
+                <a16:creationId xmlns:a16="http://schemas.microsoft.com/office/drawing/2014/main" id="{D5888F27-B7F2-49DA-A67B-882936BDC0D6}"/>
               </a:ext>
             </a:extLst>
           </p:cNvPr>
@@ -6143,7 +6156,7 @@
           <p:cNvPr id="5" name="Picture 4">
             <a:extLst>
               <a:ext uri="{FF2B5EF4-FFF2-40B4-BE49-F238E27FC236}">
-                <a16:creationId xmlns="" xmlns:a16="http://schemas.microsoft.com/office/drawing/2014/main" id="{AB523A48-1674-43B8-8AF1-F581F20AB5BD}"/>
+                <a16:creationId xmlns:a16="http://schemas.microsoft.com/office/drawing/2014/main" id="{AB523A48-1674-43B8-8AF1-F581F20AB5BD}"/>
               </a:ext>
             </a:extLst>
           </p:cNvPr>
@@ -6179,7 +6192,7 @@
           <p:cNvPr id="6" name="Picture 5">
             <a:extLst>
               <a:ext uri="{FF2B5EF4-FFF2-40B4-BE49-F238E27FC236}">
-                <a16:creationId xmlns="" xmlns:a16="http://schemas.microsoft.com/office/drawing/2014/main" id="{369F1B4B-2381-4882-BA46-057C173CCEA4}"/>
+                <a16:creationId xmlns:a16="http://schemas.microsoft.com/office/drawing/2014/main" id="{369F1B4B-2381-4882-BA46-057C173CCEA4}"/>
               </a:ext>
             </a:extLst>
           </p:cNvPr>
@@ -6245,7 +6258,7 @@
           <p:cNvPr id="2" name="Title 1">
             <a:extLst>
               <a:ext uri="{FF2B5EF4-FFF2-40B4-BE49-F238E27FC236}">
-                <a16:creationId xmlns="" xmlns:a16="http://schemas.microsoft.com/office/drawing/2014/main" id="{467D8F15-166C-4E7B-92EC-9CEC49B78715}"/>
+                <a16:creationId xmlns:a16="http://schemas.microsoft.com/office/drawing/2014/main" id="{467D8F15-166C-4E7B-92EC-9CEC49B78715}"/>
               </a:ext>
             </a:extLst>
           </p:cNvPr>
@@ -6284,7 +6297,7 @@
           <p:cNvPr id="3" name="Subtitle 2">
             <a:extLst>
               <a:ext uri="{FF2B5EF4-FFF2-40B4-BE49-F238E27FC236}">
-                <a16:creationId xmlns="" xmlns:a16="http://schemas.microsoft.com/office/drawing/2014/main" id="{4248E21A-F719-49C1-AD8D-36A53113C344}"/>
+                <a16:creationId xmlns:a16="http://schemas.microsoft.com/office/drawing/2014/main" id="{4248E21A-F719-49C1-AD8D-36A53113C344}"/>
               </a:ext>
             </a:extLst>
           </p:cNvPr>
@@ -6376,7 +6389,7 @@
           <p:cNvPr id="2" name="Title 1">
             <a:extLst>
               <a:ext uri="{FF2B5EF4-FFF2-40B4-BE49-F238E27FC236}">
-                <a16:creationId xmlns="" xmlns:a16="http://schemas.microsoft.com/office/drawing/2014/main" id="{B993D76C-4153-4B29-A6D5-7527F17EFB14}"/>
+                <a16:creationId xmlns:a16="http://schemas.microsoft.com/office/drawing/2014/main" id="{B993D76C-4153-4B29-A6D5-7527F17EFB14}"/>
               </a:ext>
             </a:extLst>
           </p:cNvPr>
@@ -6411,7 +6424,7 @@
           <p:cNvPr id="3" name="Subtitle 2">
             <a:extLst>
               <a:ext uri="{FF2B5EF4-FFF2-40B4-BE49-F238E27FC236}">
-                <a16:creationId xmlns="" xmlns:a16="http://schemas.microsoft.com/office/drawing/2014/main" id="{509BA6FE-4B8C-4275-8961-6B5511996348}"/>
+                <a16:creationId xmlns:a16="http://schemas.microsoft.com/office/drawing/2014/main" id="{509BA6FE-4B8C-4275-8961-6B5511996348}"/>
               </a:ext>
             </a:extLst>
           </p:cNvPr>
@@ -6425,7 +6438,7 @@
         <p:spPr/>
         <p:txBody>
           <a:bodyPr>
-            <a:normAutofit/>
+            <a:normAutofit fontScale="55000" lnSpcReduction="20000"/>
           </a:bodyPr>
           <a:lstStyle/>
           <a:p>

--- a/Fredericia/presentation/presentation2.pptx
+++ b/Fredericia/presentation/presentation2.pptx
@@ -3435,7 +3435,7 @@
                 </a:uFill>
                 <a:latin typeface="Arial"/>
               </a:rPr>
-              <a:t>15-03-2018</a:t>
+              <a:t>16-03-2018</a:t>
             </a:fld>
             <a:endParaRPr lang="da-DK" sz="750" b="0" strike="noStrike" spc="-1">
               <a:solidFill>
@@ -4113,7 +4113,7 @@
                 </a:uFill>
                 <a:latin typeface="Arial"/>
               </a:rPr>
-              <a:t>15-03-2018</a:t>
+              <a:t>16-03-2018</a:t>
             </a:fld>
             <a:endParaRPr lang="da-DK" sz="750" b="0" strike="noStrike" spc="-1">
               <a:solidFill>
@@ -4887,10 +4887,45 @@
       </p:grpSpPr>
       <p:sp>
         <p:nvSpPr>
+          <p:cNvPr id="2" name="Title 1">
+            <a:extLst>
+              <a:ext uri="{FF2B5EF4-FFF2-40B4-BE49-F238E27FC236}">
+                <a16:creationId xmlns:a16="http://schemas.microsoft.com/office/drawing/2014/main" xmlns="" id="{E19A9079-10BE-4933-98D6-27D94B9B01A6}"/>
+              </a:ext>
+            </a:extLst>
+          </p:cNvPr>
+          <p:cNvSpPr>
+            <a:spLocks noGrp="1"/>
+          </p:cNvSpPr>
+          <p:nvPr>
+            <p:ph type="title"/>
+          </p:nvPr>
+        </p:nvSpPr>
+        <p:spPr/>
+        <p:txBody>
+          <a:bodyPr>
+            <a:normAutofit/>
+          </a:bodyPr>
+          <a:lstStyle/>
+          <a:p>
+            <a:r>
+              <a:rPr lang="da-DK" sz="2000" dirty="0">
+                <a:solidFill>
+                  <a:schemeClr val="bg1"/>
+                </a:solidFill>
+              </a:rPr>
+              <a:t>    Sprørgsmål</a:t>
+            </a:r>
+            <a:endParaRPr lang="en-US" sz="2000" dirty="0"/>
+          </a:p>
+        </p:txBody>
+      </p:sp>
+      <p:sp>
+        <p:nvSpPr>
           <p:cNvPr id="3" name="Subtitle 2">
             <a:extLst>
               <a:ext uri="{FF2B5EF4-FFF2-40B4-BE49-F238E27FC236}">
-                <a16:creationId xmlns="" xmlns:a16="http://schemas.microsoft.com/office/drawing/2014/main" id="{39D5BF07-8717-4218-AC8F-9254022031A4}"/>
+                <a16:creationId xmlns:a16="http://schemas.microsoft.com/office/drawing/2014/main" xmlns="" id="{39D5BF07-8717-4218-AC8F-9254022031A4}"/>
               </a:ext>
             </a:extLst>
           </p:cNvPr>
@@ -4904,7 +4939,7 @@
         <p:spPr/>
         <p:txBody>
           <a:bodyPr>
-            <a:normAutofit fontScale="70000" lnSpcReduction="20000"/>
+            <a:normAutofit/>
           </a:bodyPr>
           <a:lstStyle/>
           <a:p>
@@ -4951,41 +4986,6 @@
           </a:p>
           <a:p>
             <a:endParaRPr lang="en-US" dirty="0"/>
-          </a:p>
-        </p:txBody>
-      </p:sp>
-      <p:sp>
-        <p:nvSpPr>
-          <p:cNvPr id="2" name="Title 1">
-            <a:extLst>
-              <a:ext uri="{FF2B5EF4-FFF2-40B4-BE49-F238E27FC236}">
-                <a16:creationId xmlns="" xmlns:a16="http://schemas.microsoft.com/office/drawing/2014/main" id="{E19A9079-10BE-4933-98D6-27D94B9B01A6}"/>
-              </a:ext>
-            </a:extLst>
-          </p:cNvPr>
-          <p:cNvSpPr>
-            <a:spLocks noGrp="1"/>
-          </p:cNvSpPr>
-          <p:nvPr>
-            <p:ph type="title"/>
-          </p:nvPr>
-        </p:nvSpPr>
-        <p:spPr/>
-        <p:txBody>
-          <a:bodyPr>
-            <a:normAutofit/>
-          </a:bodyPr>
-          <a:lstStyle/>
-          <a:p>
-            <a:r>
-              <a:rPr lang="da-DK" sz="2000" dirty="0">
-                <a:solidFill>
-                  <a:schemeClr val="bg1"/>
-                </a:solidFill>
-              </a:rPr>
-              <a:t>    Sprørgsmål</a:t>
-            </a:r>
-            <a:endParaRPr lang="en-US" sz="2000" dirty="0"/>
           </a:p>
         </p:txBody>
       </p:sp>
@@ -4999,6 +4999,13 @@
   <p:clrMapOvr>
     <a:masterClrMapping/>
   </p:clrMapOvr>
+  <p:timing>
+    <p:tnLst>
+      <p:par>
+        <p:cTn id="1" dur="indefinite" restart="never" nodeType="tmRoot"/>
+      </p:par>
+    </p:tnLst>
+  </p:timing>
 </p:sld>
 </file>
 
@@ -5471,49 +5478,18 @@
       </p:grpSpPr>
       <p:sp>
         <p:nvSpPr>
-          <p:cNvPr id="2" name="Titel 1"/>
-          <p:cNvSpPr>
-            <a:spLocks noGrp="1"/>
-          </p:cNvSpPr>
-          <p:nvPr>
-            <p:ph type="title"/>
+          <p:cNvPr id="3" name="Undertitel 2"/>
+          <p:cNvSpPr>
+            <a:spLocks noGrp="1"/>
+          </p:cNvSpPr>
+          <p:nvPr>
+            <p:ph type="body"/>
           </p:nvPr>
         </p:nvSpPr>
         <p:spPr/>
         <p:txBody>
-          <a:bodyPr/>
-          <a:lstStyle/>
-          <a:p>
-            <a:r>
-              <a:rPr lang="da-DK" dirty="0" smtClean="0">
-                <a:solidFill>
-                  <a:schemeClr val="bg1"/>
-                </a:solidFill>
-              </a:rPr>
-              <a:t>Hvem er vi?</a:t>
-            </a:r>
-            <a:endParaRPr lang="en-US" dirty="0">
-              <a:solidFill>
-                <a:schemeClr val="bg1"/>
-              </a:solidFill>
-            </a:endParaRPr>
-          </a:p>
-        </p:txBody>
-      </p:sp>
-      <p:sp>
-        <p:nvSpPr>
-          <p:cNvPr id="3" name="Undertitel 2"/>
-          <p:cNvSpPr>
-            <a:spLocks noGrp="1"/>
-          </p:cNvSpPr>
-          <p:nvPr>
-            <p:ph type="subTitle"/>
-          </p:nvPr>
-        </p:nvSpPr>
-        <p:spPr/>
-        <p:txBody>
           <a:bodyPr>
-            <a:normAutofit fontScale="62500" lnSpcReduction="20000"/>
+            <a:normAutofit/>
           </a:bodyPr>
           <a:lstStyle/>
           <a:p>
@@ -5556,6 +5532,37 @@
           <a:p>
             <a:pPr lvl="1"/>
             <a:endParaRPr lang="en-US" dirty="0"/>
+          </a:p>
+        </p:txBody>
+      </p:sp>
+      <p:sp>
+        <p:nvSpPr>
+          <p:cNvPr id="2" name="Titel 1"/>
+          <p:cNvSpPr>
+            <a:spLocks noGrp="1"/>
+          </p:cNvSpPr>
+          <p:nvPr>
+            <p:ph type="title"/>
+          </p:nvPr>
+        </p:nvSpPr>
+        <p:spPr/>
+        <p:txBody>
+          <a:bodyPr/>
+          <a:lstStyle/>
+          <a:p>
+            <a:r>
+              <a:rPr lang="da-DK" dirty="0" smtClean="0">
+                <a:solidFill>
+                  <a:schemeClr val="bg1"/>
+                </a:solidFill>
+              </a:rPr>
+              <a:t>Hvem er vi?</a:t>
+            </a:r>
+            <a:endParaRPr lang="en-US" dirty="0">
+              <a:solidFill>
+                <a:schemeClr val="bg1"/>
+              </a:solidFill>
+            </a:endParaRPr>
           </a:p>
         </p:txBody>
       </p:sp>
@@ -5591,10 +5598,47 @@
       </p:grpSpPr>
       <p:sp>
         <p:nvSpPr>
+          <p:cNvPr id="2" name="Title 1">
+            <a:extLst>
+              <a:ext uri="{FF2B5EF4-FFF2-40B4-BE49-F238E27FC236}">
+                <a16:creationId xmlns:a16="http://schemas.microsoft.com/office/drawing/2014/main" xmlns="" id="{7274B48B-373C-4332-9B0F-66D00321AC95}"/>
+              </a:ext>
+            </a:extLst>
+          </p:cNvPr>
+          <p:cNvSpPr>
+            <a:spLocks noGrp="1"/>
+          </p:cNvSpPr>
+          <p:nvPr>
+            <p:ph type="title"/>
+          </p:nvPr>
+        </p:nvSpPr>
+        <p:spPr/>
+        <p:txBody>
+          <a:bodyPr/>
+          <a:lstStyle/>
+          <a:p>
+            <a:r>
+              <a:rPr lang="da-DK" dirty="0"/>
+              <a:t> </a:t>
+            </a:r>
+            <a:r>
+              <a:rPr lang="da-DK" sz="2000" dirty="0">
+                <a:solidFill>
+                  <a:schemeClr val="bg1"/>
+                </a:solidFill>
+              </a:rPr>
+              <a:t>Problemstillinger</a:t>
+            </a:r>
+            <a:endParaRPr lang="en-US" sz="2000" dirty="0"/>
+          </a:p>
+        </p:txBody>
+      </p:sp>
+      <p:sp>
+        <p:nvSpPr>
           <p:cNvPr id="3" name="Subtitle 2">
             <a:extLst>
               <a:ext uri="{FF2B5EF4-FFF2-40B4-BE49-F238E27FC236}">
-                <a16:creationId xmlns="" xmlns:a16="http://schemas.microsoft.com/office/drawing/2014/main" id="{3F0E895C-9F6C-4086-B15D-2550797225CA}"/>
+                <a16:creationId xmlns:a16="http://schemas.microsoft.com/office/drawing/2014/main" xmlns="" id="{3F0E895C-9F6C-4086-B15D-2550797225CA}"/>
               </a:ext>
             </a:extLst>
           </p:cNvPr>
@@ -5608,7 +5652,7 @@
         <p:spPr/>
         <p:txBody>
           <a:bodyPr>
-            <a:normAutofit fontScale="55000" lnSpcReduction="20000"/>
+            <a:normAutofit/>
           </a:bodyPr>
           <a:lstStyle/>
           <a:p>
@@ -5679,49 +5723,12 @@
           </a:p>
         </p:txBody>
       </p:sp>
-      <p:sp>
-        <p:nvSpPr>
-          <p:cNvPr id="2" name="Title 1">
-            <a:extLst>
-              <a:ext uri="{FF2B5EF4-FFF2-40B4-BE49-F238E27FC236}">
-                <a16:creationId xmlns="" xmlns:a16="http://schemas.microsoft.com/office/drawing/2014/main" id="{7274B48B-373C-4332-9B0F-66D00321AC95}"/>
-              </a:ext>
-            </a:extLst>
-          </p:cNvPr>
-          <p:cNvSpPr>
-            <a:spLocks noGrp="1"/>
-          </p:cNvSpPr>
-          <p:nvPr>
-            <p:ph type="title"/>
-          </p:nvPr>
-        </p:nvSpPr>
-        <p:spPr/>
-        <p:txBody>
-          <a:bodyPr/>
-          <a:lstStyle/>
-          <a:p>
-            <a:r>
-              <a:rPr lang="da-DK" dirty="0"/>
-              <a:t> </a:t>
-            </a:r>
-            <a:r>
-              <a:rPr lang="da-DK" sz="2000" dirty="0">
-                <a:solidFill>
-                  <a:schemeClr val="bg1"/>
-                </a:solidFill>
-              </a:rPr>
-              <a:t>Problemstillinger</a:t>
-            </a:r>
-            <a:endParaRPr lang="en-US" sz="2000" dirty="0"/>
-          </a:p>
-        </p:txBody>
-      </p:sp>
       <p:pic>
         <p:nvPicPr>
           <p:cNvPr id="7" name="Picture 6">
             <a:extLst>
               <a:ext uri="{FF2B5EF4-FFF2-40B4-BE49-F238E27FC236}">
-                <a16:creationId xmlns="" xmlns:a16="http://schemas.microsoft.com/office/drawing/2014/main" id="{2DAF6613-23CC-4BE5-A32A-7DE147EDE97E}"/>
+                <a16:creationId xmlns:a16="http://schemas.microsoft.com/office/drawing/2014/main" xmlns="" id="{2DAF6613-23CC-4BE5-A32A-7DE147EDE97E}"/>
               </a:ext>
             </a:extLst>
           </p:cNvPr>
@@ -5757,7 +5764,7 @@
           <p:cNvPr id="11" name="Picture 10">
             <a:extLst>
               <a:ext uri="{FF2B5EF4-FFF2-40B4-BE49-F238E27FC236}">
-                <a16:creationId xmlns="" xmlns:a16="http://schemas.microsoft.com/office/drawing/2014/main" id="{DD2DEAC5-B8E2-43EE-8736-54457CF80FD8}"/>
+                <a16:creationId xmlns:a16="http://schemas.microsoft.com/office/drawing/2014/main" xmlns="" id="{DD2DEAC5-B8E2-43EE-8736-54457CF80FD8}"/>
               </a:ext>
             </a:extLst>
           </p:cNvPr>
@@ -5823,7 +5830,7 @@
           <p:cNvPr id="2" name="Title 1">
             <a:extLst>
               <a:ext uri="{FF2B5EF4-FFF2-40B4-BE49-F238E27FC236}">
-                <a16:creationId xmlns="" xmlns:a16="http://schemas.microsoft.com/office/drawing/2014/main" id="{2153FAD0-F6CD-45B9-AF46-5C6569B70C39}"/>
+                <a16:creationId xmlns:a16="http://schemas.microsoft.com/office/drawing/2014/main" xmlns="" id="{2153FAD0-F6CD-45B9-AF46-5C6569B70C39}"/>
               </a:ext>
             </a:extLst>
           </p:cNvPr>
@@ -5860,7 +5867,7 @@
           <p:cNvPr id="3" name="Subtitle 2">
             <a:extLst>
               <a:ext uri="{FF2B5EF4-FFF2-40B4-BE49-F238E27FC236}">
-                <a16:creationId xmlns="" xmlns:a16="http://schemas.microsoft.com/office/drawing/2014/main" id="{DA540DE6-7610-4E1F-98B1-37B75DF1286A}"/>
+                <a16:creationId xmlns:a16="http://schemas.microsoft.com/office/drawing/2014/main" xmlns="" id="{DA540DE6-7610-4E1F-98B1-37B75DF1286A}"/>
               </a:ext>
             </a:extLst>
           </p:cNvPr>
@@ -5885,7 +5892,7 @@
           <p:cNvPr id="5" name="Picture 4">
             <a:extLst>
               <a:ext uri="{FF2B5EF4-FFF2-40B4-BE49-F238E27FC236}">
-                <a16:creationId xmlns="" xmlns:a16="http://schemas.microsoft.com/office/drawing/2014/main" id="{06304EAD-ED49-4CB8-9D85-0EB394BA1964}"/>
+                <a16:creationId xmlns:a16="http://schemas.microsoft.com/office/drawing/2014/main" xmlns="" id="{06304EAD-ED49-4CB8-9D85-0EB394BA1964}"/>
               </a:ext>
             </a:extLst>
           </p:cNvPr>
@@ -5959,7 +5966,7 @@
           <p:cNvPr id="12" name="Rectangle 11">
             <a:extLst>
               <a:ext uri="{FF2B5EF4-FFF2-40B4-BE49-F238E27FC236}">
-                <a16:creationId xmlns="" xmlns:a16="http://schemas.microsoft.com/office/drawing/2014/main" id="{48DC5E34-8E8F-4A88-A46D-2753E2123B4D}"/>
+                <a16:creationId xmlns:a16="http://schemas.microsoft.com/office/drawing/2014/main" xmlns="" id="{48DC5E34-8E8F-4A88-A46D-2753E2123B4D}"/>
               </a:ext>
             </a:extLst>
           </p:cNvPr>
@@ -6013,7 +6020,7 @@
           <p:cNvPr id="5" name="Picture 4">
             <a:extLst>
               <a:ext uri="{FF2B5EF4-FFF2-40B4-BE49-F238E27FC236}">
-                <a16:creationId xmlns="" xmlns:a16="http://schemas.microsoft.com/office/drawing/2014/main" id="{C46B8726-45A3-4C15-B455-6B6660EE030D}"/>
+                <a16:creationId xmlns:a16="http://schemas.microsoft.com/office/drawing/2014/main" xmlns="" id="{C46B8726-45A3-4C15-B455-6B6660EE030D}"/>
               </a:ext>
             </a:extLst>
           </p:cNvPr>
@@ -6079,7 +6086,7 @@
           <p:cNvPr id="2" name="Title 1">
             <a:extLst>
               <a:ext uri="{FF2B5EF4-FFF2-40B4-BE49-F238E27FC236}">
-                <a16:creationId xmlns="" xmlns:a16="http://schemas.microsoft.com/office/drawing/2014/main" id="{5F8902FD-69D0-42A1-BE63-48ED560B3BDA}"/>
+                <a16:creationId xmlns:a16="http://schemas.microsoft.com/office/drawing/2014/main" xmlns="" id="{5F8902FD-69D0-42A1-BE63-48ED560B3BDA}"/>
               </a:ext>
             </a:extLst>
           </p:cNvPr>
@@ -6118,7 +6125,7 @@
           <p:cNvPr id="3" name="Subtitle 2">
             <a:extLst>
               <a:ext uri="{FF2B5EF4-FFF2-40B4-BE49-F238E27FC236}">
-                <a16:creationId xmlns="" xmlns:a16="http://schemas.microsoft.com/office/drawing/2014/main" id="{D5888F27-B7F2-49DA-A67B-882936BDC0D6}"/>
+                <a16:creationId xmlns:a16="http://schemas.microsoft.com/office/drawing/2014/main" xmlns="" id="{D5888F27-B7F2-49DA-A67B-882936BDC0D6}"/>
               </a:ext>
             </a:extLst>
           </p:cNvPr>
@@ -6143,7 +6150,7 @@
           <p:cNvPr id="5" name="Picture 4">
             <a:extLst>
               <a:ext uri="{FF2B5EF4-FFF2-40B4-BE49-F238E27FC236}">
-                <a16:creationId xmlns="" xmlns:a16="http://schemas.microsoft.com/office/drawing/2014/main" id="{AB523A48-1674-43B8-8AF1-F581F20AB5BD}"/>
+                <a16:creationId xmlns:a16="http://schemas.microsoft.com/office/drawing/2014/main" xmlns="" id="{AB523A48-1674-43B8-8AF1-F581F20AB5BD}"/>
               </a:ext>
             </a:extLst>
           </p:cNvPr>
@@ -6179,7 +6186,7 @@
           <p:cNvPr id="6" name="Picture 5">
             <a:extLst>
               <a:ext uri="{FF2B5EF4-FFF2-40B4-BE49-F238E27FC236}">
-                <a16:creationId xmlns="" xmlns:a16="http://schemas.microsoft.com/office/drawing/2014/main" id="{369F1B4B-2381-4882-BA46-057C173CCEA4}"/>
+                <a16:creationId xmlns:a16="http://schemas.microsoft.com/office/drawing/2014/main" xmlns="" id="{369F1B4B-2381-4882-BA46-057C173CCEA4}"/>
               </a:ext>
             </a:extLst>
           </p:cNvPr>
@@ -6242,10 +6249,10 @@
       </p:grpSpPr>
       <p:sp>
         <p:nvSpPr>
-          <p:cNvPr id="2" name="Title 1">
+          <p:cNvPr id="3" name="Subtitle 2">
             <a:extLst>
               <a:ext uri="{FF2B5EF4-FFF2-40B4-BE49-F238E27FC236}">
-                <a16:creationId xmlns="" xmlns:a16="http://schemas.microsoft.com/office/drawing/2014/main" id="{467D8F15-166C-4E7B-92EC-9CEC49B78715}"/>
+                <a16:creationId xmlns:a16="http://schemas.microsoft.com/office/drawing/2014/main" xmlns="" id="{4248E21A-F719-49C1-AD8D-36A53113C344}"/>
               </a:ext>
             </a:extLst>
           </p:cNvPr>
@@ -6253,52 +6260,13 @@
             <a:spLocks noGrp="1"/>
           </p:cNvSpPr>
           <p:nvPr>
-            <p:ph type="title"/>
+            <p:ph type="body"/>
           </p:nvPr>
         </p:nvSpPr>
         <p:spPr/>
         <p:txBody>
           <a:bodyPr>
             <a:normAutofit/>
-          </a:bodyPr>
-          <a:lstStyle/>
-          <a:p>
-            <a:r>
-              <a:rPr lang="da-DK" sz="2000" dirty="0">
-                <a:solidFill>
-                  <a:schemeClr val="bg1"/>
-                </a:solidFill>
-              </a:rPr>
-              <a:t>    Sprørgsmål</a:t>
-            </a:r>
-            <a:endParaRPr lang="en-US" sz="2000" dirty="0">
-              <a:solidFill>
-                <a:schemeClr val="bg1"/>
-              </a:solidFill>
-            </a:endParaRPr>
-          </a:p>
-        </p:txBody>
-      </p:sp>
-      <p:sp>
-        <p:nvSpPr>
-          <p:cNvPr id="3" name="Subtitle 2">
-            <a:extLst>
-              <a:ext uri="{FF2B5EF4-FFF2-40B4-BE49-F238E27FC236}">
-                <a16:creationId xmlns="" xmlns:a16="http://schemas.microsoft.com/office/drawing/2014/main" id="{4248E21A-F719-49C1-AD8D-36A53113C344}"/>
-              </a:ext>
-            </a:extLst>
-          </p:cNvPr>
-          <p:cNvSpPr>
-            <a:spLocks noGrp="1"/>
-          </p:cNvSpPr>
-          <p:nvPr>
-            <p:ph type="body"/>
-          </p:nvPr>
-        </p:nvSpPr>
-        <p:spPr/>
-        <p:txBody>
-          <a:bodyPr>
-            <a:normAutofit fontScale="85000" lnSpcReduction="20000"/>
           </a:bodyPr>
           <a:lstStyle/>
           <a:p>
@@ -6338,6 +6306,45 @@
           </a:p>
           <a:p>
             <a:endParaRPr lang="en-US" dirty="0"/>
+          </a:p>
+        </p:txBody>
+      </p:sp>
+      <p:sp>
+        <p:nvSpPr>
+          <p:cNvPr id="2" name="Title 1">
+            <a:extLst>
+              <a:ext uri="{FF2B5EF4-FFF2-40B4-BE49-F238E27FC236}">
+                <a16:creationId xmlns:a16="http://schemas.microsoft.com/office/drawing/2014/main" xmlns="" id="{467D8F15-166C-4E7B-92EC-9CEC49B78715}"/>
+              </a:ext>
+            </a:extLst>
+          </p:cNvPr>
+          <p:cNvSpPr>
+            <a:spLocks noGrp="1"/>
+          </p:cNvSpPr>
+          <p:nvPr>
+            <p:ph type="title"/>
+          </p:nvPr>
+        </p:nvSpPr>
+        <p:spPr/>
+        <p:txBody>
+          <a:bodyPr>
+            <a:normAutofit/>
+          </a:bodyPr>
+          <a:lstStyle/>
+          <a:p>
+            <a:r>
+              <a:rPr lang="da-DK" sz="2000" dirty="0">
+                <a:solidFill>
+                  <a:schemeClr val="bg1"/>
+                </a:solidFill>
+              </a:rPr>
+              <a:t>    Sprørgsmål</a:t>
+            </a:r>
+            <a:endParaRPr lang="en-US" sz="2000" dirty="0">
+              <a:solidFill>
+                <a:schemeClr val="bg1"/>
+              </a:solidFill>
+            </a:endParaRPr>
           </a:p>
         </p:txBody>
       </p:sp>
@@ -6373,45 +6380,10 @@
       </p:grpSpPr>
       <p:sp>
         <p:nvSpPr>
-          <p:cNvPr id="2" name="Title 1">
-            <a:extLst>
-              <a:ext uri="{FF2B5EF4-FFF2-40B4-BE49-F238E27FC236}">
-                <a16:creationId xmlns="" xmlns:a16="http://schemas.microsoft.com/office/drawing/2014/main" id="{B993D76C-4153-4B29-A6D5-7527F17EFB14}"/>
-              </a:ext>
-            </a:extLst>
-          </p:cNvPr>
-          <p:cNvSpPr>
-            <a:spLocks noGrp="1"/>
-          </p:cNvSpPr>
-          <p:nvPr>
-            <p:ph type="title"/>
-          </p:nvPr>
-        </p:nvSpPr>
-        <p:spPr/>
-        <p:txBody>
-          <a:bodyPr>
-            <a:normAutofit/>
-          </a:bodyPr>
-          <a:lstStyle/>
-          <a:p>
-            <a:r>
-              <a:rPr lang="da-DK" sz="2000" dirty="0">
-                <a:solidFill>
-                  <a:schemeClr val="bg1"/>
-                </a:solidFill>
-              </a:rPr>
-              <a:t>    Sprørgsmål</a:t>
-            </a:r>
-            <a:endParaRPr lang="en-US" sz="2000" dirty="0"/>
-          </a:p>
-        </p:txBody>
-      </p:sp>
-      <p:sp>
-        <p:nvSpPr>
           <p:cNvPr id="3" name="Subtitle 2">
             <a:extLst>
               <a:ext uri="{FF2B5EF4-FFF2-40B4-BE49-F238E27FC236}">
-                <a16:creationId xmlns="" xmlns:a16="http://schemas.microsoft.com/office/drawing/2014/main" id="{509BA6FE-4B8C-4275-8961-6B5511996348}"/>
+                <a16:creationId xmlns:a16="http://schemas.microsoft.com/office/drawing/2014/main" xmlns="" id="{509BA6FE-4B8C-4275-8961-6B5511996348}"/>
               </a:ext>
             </a:extLst>
           </p:cNvPr>
@@ -6446,14 +6418,38 @@
             <a:pPr lvl="1" fontAlgn="ctr"/>
             <a:r>
               <a:rPr lang="da-DK" dirty="0"/>
-              <a:t>Hvilke stoffer giver problemer under rensning?</a:t>
+              <a:t>Hvilke </a:t>
+            </a:r>
+            <a:r>
+              <a:rPr lang="da-DK" dirty="0" smtClean="0"/>
+              <a:t>stoffer/kemiske forbindelser </a:t>
+            </a:r>
+            <a:r>
+              <a:rPr lang="da-DK" dirty="0"/>
+              <a:t>giver problemer under rensning?</a:t>
             </a:r>
           </a:p>
           <a:p>
             <a:pPr lvl="1" fontAlgn="ctr"/>
             <a:r>
               <a:rPr lang="da-DK" dirty="0"/>
-              <a:t>Hvordan påvirker flow/koncentrat ændringer i rensningen?</a:t>
+              <a:t>Hvordan </a:t>
+            </a:r>
+            <a:r>
+              <a:rPr lang="da-DK" dirty="0"/>
+              <a:t>påvirker ændringer i </a:t>
+            </a:r>
+            <a:r>
+              <a:rPr lang="da-DK" dirty="0"/>
+              <a:t>flow/koncentrat </a:t>
+            </a:r>
+            <a:r>
+              <a:rPr lang="da-DK" dirty="0" smtClean="0"/>
+              <a:t>rensningen</a:t>
+            </a:r>
+            <a:r>
+              <a:rPr lang="da-DK" dirty="0"/>
+              <a:t>?</a:t>
             </a:r>
           </a:p>
           <a:p>
@@ -6492,6 +6488,41 @@
           </a:p>
           <a:p>
             <a:endParaRPr lang="en-US" dirty="0"/>
+          </a:p>
+        </p:txBody>
+      </p:sp>
+      <p:sp>
+        <p:nvSpPr>
+          <p:cNvPr id="2" name="Title 1">
+            <a:extLst>
+              <a:ext uri="{FF2B5EF4-FFF2-40B4-BE49-F238E27FC236}">
+                <a16:creationId xmlns:a16="http://schemas.microsoft.com/office/drawing/2014/main" xmlns="" id="{B993D76C-4153-4B29-A6D5-7527F17EFB14}"/>
+              </a:ext>
+            </a:extLst>
+          </p:cNvPr>
+          <p:cNvSpPr>
+            <a:spLocks noGrp="1"/>
+          </p:cNvSpPr>
+          <p:nvPr>
+            <p:ph type="title"/>
+          </p:nvPr>
+        </p:nvSpPr>
+        <p:spPr/>
+        <p:txBody>
+          <a:bodyPr>
+            <a:normAutofit/>
+          </a:bodyPr>
+          <a:lstStyle/>
+          <a:p>
+            <a:r>
+              <a:rPr lang="da-DK" sz="2000" dirty="0">
+                <a:solidFill>
+                  <a:schemeClr val="bg1"/>
+                </a:solidFill>
+              </a:rPr>
+              <a:t>    Sprørgsmål</a:t>
+            </a:r>
+            <a:endParaRPr lang="en-US" sz="2000" dirty="0"/>
           </a:p>
         </p:txBody>
       </p:sp>
